--- a/documentacion/Presentación.pptx
+++ b/documentacion/Presentación.pptx
@@ -9,15 +9,12 @@
     <p:sldId id="256" r:id="rId3"/>
     <p:sldId id="268" r:id="rId4"/>
     <p:sldId id="260" r:id="rId5"/>
-    <p:sldId id="261" r:id="rId6"/>
-    <p:sldId id="280" r:id="rId7"/>
-    <p:sldId id="257" r:id="rId8"/>
-    <p:sldId id="258" r:id="rId9"/>
-    <p:sldId id="259" r:id="rId10"/>
-    <p:sldId id="281" r:id="rId11"/>
-    <p:sldId id="262" r:id="rId12"/>
-    <p:sldId id="263" r:id="rId13"/>
-    <p:sldId id="267" r:id="rId14"/>
+    <p:sldId id="275" r:id="rId6"/>
+    <p:sldId id="276" r:id="rId7"/>
+    <p:sldId id="271" r:id="rId8"/>
+    <p:sldId id="272" r:id="rId9"/>
+    <p:sldId id="273" r:id="rId10"/>
+    <p:sldId id="274" r:id="rId11"/>
   </p:sldIdLst>
   <p:sldSz cx="12192000" cy="6858000"/>
   <p:notesSz cx="6858000" cy="9144000"/>
@@ -251,7 +248,7 @@
             <a:fld id="{5396D8F0-5C9D-428F-9F57-94D29B348843}" type="datetimeFigureOut">
               <a:rPr lang="es-ES" smtClean="0"/>
               <a:pPr/>
-              <a:t>05/02/2019</a:t>
+              <a:t>06/02/2019</a:t>
             </a:fld>
             <a:endParaRPr lang="es-ES"/>
           </a:p>
@@ -400,7 +397,7 @@
             <a:fld id="{5396D8F0-5C9D-428F-9F57-94D29B348843}" type="datetimeFigureOut">
               <a:rPr lang="es-ES" smtClean="0"/>
               <a:pPr/>
-              <a:t>05/02/2019</a:t>
+              <a:t>06/02/2019</a:t>
             </a:fld>
             <a:endParaRPr lang="es-ES"/>
           </a:p>
@@ -567,7 +564,7 @@
             <a:fld id="{5396D8F0-5C9D-428F-9F57-94D29B348843}" type="datetimeFigureOut">
               <a:rPr lang="es-ES" smtClean="0"/>
               <a:pPr/>
-              <a:t>05/02/2019</a:t>
+              <a:t>06/02/2019</a:t>
             </a:fld>
             <a:endParaRPr lang="es-ES"/>
           </a:p>
@@ -810,7 +807,7 @@
             <a:fld id="{5396D8F0-5C9D-428F-9F57-94D29B348843}" type="datetimeFigureOut">
               <a:rPr lang="es-ES" smtClean="0"/>
               <a:pPr/>
-              <a:t>05/02/2019</a:t>
+              <a:t>06/02/2019</a:t>
             </a:fld>
             <a:endParaRPr lang="es-ES"/>
           </a:p>
@@ -1039,7 +1036,7 @@
             <a:fld id="{5396D8F0-5C9D-428F-9F57-94D29B348843}" type="datetimeFigureOut">
               <a:rPr lang="es-ES" smtClean="0"/>
               <a:pPr/>
-              <a:t>05/02/2019</a:t>
+              <a:t>06/02/2019</a:t>
             </a:fld>
             <a:endParaRPr lang="es-ES"/>
           </a:p>
@@ -1403,7 +1400,7 @@
             <a:fld id="{5396D8F0-5C9D-428F-9F57-94D29B348843}" type="datetimeFigureOut">
               <a:rPr lang="es-ES" smtClean="0"/>
               <a:pPr/>
-              <a:t>05/02/2019</a:t>
+              <a:t>06/02/2019</a:t>
             </a:fld>
             <a:endParaRPr lang="es-ES"/>
           </a:p>
@@ -1518,7 +1515,7 @@
             <a:fld id="{5396D8F0-5C9D-428F-9F57-94D29B348843}" type="datetimeFigureOut">
               <a:rPr lang="es-ES" smtClean="0"/>
               <a:pPr/>
-              <a:t>05/02/2019</a:t>
+              <a:t>06/02/2019</a:t>
             </a:fld>
             <a:endParaRPr lang="es-ES"/>
           </a:p>
@@ -1610,7 +1607,7 @@
             <a:fld id="{5396D8F0-5C9D-428F-9F57-94D29B348843}" type="datetimeFigureOut">
               <a:rPr lang="es-ES" smtClean="0"/>
               <a:pPr/>
-              <a:t>05/02/2019</a:t>
+              <a:t>06/02/2019</a:t>
             </a:fld>
             <a:endParaRPr lang="es-ES"/>
           </a:p>
@@ -1860,7 +1857,7 @@
             <a:fld id="{5396D8F0-5C9D-428F-9F57-94D29B348843}" type="datetimeFigureOut">
               <a:rPr lang="es-ES" smtClean="0"/>
               <a:pPr/>
-              <a:t>05/02/2019</a:t>
+              <a:t>06/02/2019</a:t>
             </a:fld>
             <a:endParaRPr lang="es-ES"/>
           </a:p>
@@ -2037,7 +2034,7 @@
             <a:fld id="{5396D8F0-5C9D-428F-9F57-94D29B348843}" type="datetimeFigureOut">
               <a:rPr lang="es-ES" smtClean="0"/>
               <a:pPr/>
-              <a:t>05/02/2019</a:t>
+              <a:t>06/02/2019</a:t>
             </a:fld>
             <a:endParaRPr lang="es-ES"/>
           </a:p>
@@ -2253,7 +2250,7 @@
             <a:fld id="{5396D8F0-5C9D-428F-9F57-94D29B348843}" type="datetimeFigureOut">
               <a:rPr lang="es-ES" smtClean="0"/>
               <a:pPr/>
-              <a:t>05/02/2019</a:t>
+              <a:t>06/02/2019</a:t>
             </a:fld>
             <a:endParaRPr lang="es-ES"/>
           </a:p>
@@ -2680,7 +2677,7 @@
       </p:grpSpPr>
       <p:sp>
         <p:nvSpPr>
-          <p:cNvPr id="2" name="Título 1"/>
+          <p:cNvPr id="2" name="1 Título"/>
           <p:cNvSpPr>
             <a:spLocks noGrp="1"/>
           </p:cNvSpPr>
@@ -2693,545 +2690,53 @@
           <a:bodyPr/>
           <a:lstStyle/>
           <a:p>
-            <a:pPr algn="ctr"/>
-            <a:r>
-              <a:rPr lang="es-EC" altLang="es-ES">
-                <a:ln w="9525" cmpd="sng">
-                  <a:solidFill>
-                    <a:schemeClr val="accent1"/>
-                  </a:solidFill>
-                  <a:prstDash val="solid"/>
-                </a:ln>
-                <a:solidFill>
-                  <a:srgbClr val="70AD47">
-                    <a:tint val="1000"/>
-                  </a:srgbClr>
-                </a:solidFill>
-                <a:effectLst>
-                  <a:glow rad="38100">
-                    <a:schemeClr val="accent1">
-                      <a:alpha val="40000"/>
-                    </a:schemeClr>
-                  </a:glow>
-                </a:effectLst>
-              </a:rPr>
-              <a:t>Metodología de Desarrollo en Espiral.</a:t>
-            </a:r>
-          </a:p>
-        </p:txBody>
-      </p:sp>
-      <p:sp>
-        <p:nvSpPr>
-          <p:cNvPr id="6" name="Marcador de posición de contenido 5"/>
-          <p:cNvSpPr>
-            <a:spLocks noGrp="1"/>
-          </p:cNvSpPr>
-          <p:nvPr>
-            <p:ph sz="half" idx="2"/>
-          </p:nvPr>
-        </p:nvSpPr>
-        <p:spPr>
-          <a:xfrm>
-            <a:off x="1007745" y="1690370"/>
-            <a:ext cx="5106670" cy="4734560"/>
-          </a:xfrm>
-        </p:spPr>
-        <p:txBody>
-          <a:bodyPr>
-            <a:normAutofit fontScale="90000" lnSpcReduction="10000"/>
-          </a:bodyPr>
-          <a:lstStyle/>
-          <a:p>
-            <a:pPr algn="just"/>
-            <a:r>
-              <a:rPr lang="es-EC" altLang="es-ES">
-                <a:ln w="9525" cmpd="sng">
-                  <a:solidFill>
-                    <a:schemeClr val="accent1"/>
-                  </a:solidFill>
-                  <a:prstDash val="solid"/>
-                </a:ln>
-                <a:solidFill>
-                  <a:srgbClr val="70AD47">
-                    <a:tint val="1000"/>
-                  </a:srgbClr>
-                </a:solidFill>
-                <a:effectLst>
-                  <a:glow rad="38100">
-                    <a:schemeClr val="accent1">
-                      <a:alpha val="40000"/>
-                    </a:schemeClr>
-                  </a:glow>
-                </a:effectLst>
-              </a:rPr>
-              <a:t>Las actividades que se realizan se las ordena en una espiral en la que cada vuelta colocamos las actividades a realizar.</a:t>
-            </a:r>
-            <a:br>
-              <a:rPr lang="es-EC" altLang="es-ES">
-                <a:ln w="9525" cmpd="sng">
-                  <a:solidFill>
-                    <a:schemeClr val="accent1"/>
-                  </a:solidFill>
-                  <a:prstDash val="solid"/>
-                </a:ln>
-                <a:solidFill>
-                  <a:srgbClr val="70AD47">
-                    <a:tint val="1000"/>
-                  </a:srgbClr>
-                </a:solidFill>
-                <a:effectLst>
-                  <a:glow rad="38100">
-                    <a:schemeClr val="accent1">
-                      <a:alpha val="40000"/>
-                    </a:schemeClr>
-                  </a:glow>
-                </a:effectLst>
-              </a:rPr>
-            </a:br>
-            <a:endParaRPr lang="es-EC" altLang="es-ES">
-              <a:ln w="9525" cmpd="sng">
-                <a:solidFill>
-                  <a:schemeClr val="accent1"/>
-                </a:solidFill>
-                <a:prstDash val="solid"/>
-              </a:ln>
-              <a:solidFill>
-                <a:srgbClr val="70AD47">
-                  <a:tint val="1000"/>
-                </a:srgbClr>
-              </a:solidFill>
-              <a:effectLst>
-                <a:glow rad="38100">
-                  <a:schemeClr val="accent1">
-                    <a:alpha val="40000"/>
-                  </a:schemeClr>
-                </a:glow>
-              </a:effectLst>
-            </a:endParaRPr>
-          </a:p>
-          <a:p>
-            <a:pPr algn="just"/>
-            <a:r>
-              <a:rPr lang="es-EC" altLang="es-ES">
-                <a:ln w="9525" cmpd="sng">
-                  <a:solidFill>
-                    <a:schemeClr val="accent1"/>
-                  </a:solidFill>
-                  <a:prstDash val="solid"/>
-                </a:ln>
-                <a:solidFill>
-                  <a:srgbClr val="70AD47">
-                    <a:tint val="1000"/>
-                  </a:srgbClr>
-                </a:solidFill>
-                <a:effectLst>
-                  <a:glow rad="38100">
-                    <a:schemeClr val="accent1">
-                      <a:alpha val="40000"/>
-                    </a:schemeClr>
-                  </a:glow>
-                </a:effectLst>
-              </a:rPr>
-              <a:t>No tienen prioridad alguna, sino que las debemos analizar segun los riesgos que se presenten </a:t>
-            </a:r>
-          </a:p>
-          <a:p>
-            <a:pPr algn="just"/>
-            <a:endParaRPr lang="es-EC" altLang="es-ES">
-              <a:ln w="9525" cmpd="sng">
-                <a:solidFill>
-                  <a:schemeClr val="accent1"/>
-                </a:solidFill>
-                <a:prstDash val="solid"/>
-              </a:ln>
-              <a:solidFill>
-                <a:srgbClr val="70AD47">
-                  <a:tint val="1000"/>
-                </a:srgbClr>
-              </a:solidFill>
-              <a:effectLst>
-                <a:glow rad="38100">
-                  <a:schemeClr val="accent1">
-                    <a:alpha val="40000"/>
-                  </a:schemeClr>
-                </a:glow>
-              </a:effectLst>
-            </a:endParaRPr>
-          </a:p>
-          <a:p>
-            <a:pPr algn="just"/>
-            <a:r>
-              <a:rPr lang="es-EC" altLang="es-ES">
-                <a:ln w="9525" cmpd="sng">
-                  <a:solidFill>
-                    <a:schemeClr val="accent1"/>
-                  </a:solidFill>
-                  <a:prstDash val="solid"/>
-                </a:ln>
-                <a:solidFill>
-                  <a:srgbClr val="70AD47">
-                    <a:tint val="1000"/>
-                  </a:srgbClr>
-                </a:solidFill>
-                <a:effectLst>
-                  <a:glow rad="38100">
-                    <a:schemeClr val="accent1">
-                      <a:alpha val="40000"/>
-                    </a:schemeClr>
-                  </a:glow>
-                </a:effectLst>
-              </a:rPr>
-              <a:t>Se trabaja a la par con el cliente añadiendo o retirando funciones al proyecto teniendo en mente los objetivos.</a:t>
-            </a:r>
+            <a:endParaRPr lang="es-ES"/>
+          </a:p>
+        </p:txBody>
+      </p:sp>
+      <p:sp>
+        <p:nvSpPr>
+          <p:cNvPr id="3" name="2 Marcador de contenido"/>
+          <p:cNvSpPr>
+            <a:spLocks noGrp="1"/>
+          </p:cNvSpPr>
+          <p:nvPr>
+            <p:ph idx="1"/>
+          </p:nvPr>
+        </p:nvSpPr>
+        <p:spPr/>
+        <p:txBody>
+          <a:bodyPr/>
+          <a:lstStyle/>
+          <a:p>
+            <a:endParaRPr lang="es-ES"/>
           </a:p>
         </p:txBody>
       </p:sp>
       <p:pic>
         <p:nvPicPr>
-          <p:cNvPr id="5" name="Marcador de posición de contenido 4" descr="359px-ModeloEspiral.svg"/>
+          <p:cNvPr id="7170" name="Picture 2" descr="C:\Users\Johao\Documents\proyectoSegundo\documentacion\reservalumen - DIAGRAMA.png"/>
           <p:cNvPicPr>
-            <a:picLocks noGrp="1" noChangeAspect="1"/>
+            <a:picLocks noChangeAspect="1" noChangeArrowheads="1"/>
           </p:cNvPicPr>
-          <p:nvPr>
-            <p:ph sz="half" idx="1"/>
-          </p:nvPr>
+          <p:nvPr/>
         </p:nvPicPr>
         <p:blipFill>
           <a:blip r:embed="rId2" cstate="print"/>
+          <a:srcRect/>
           <a:stretch>
             <a:fillRect/>
           </a:stretch>
         </p:blipFill>
-        <p:spPr>
+        <p:spPr bwMode="auto">
           <a:xfrm>
-            <a:off x="6368415" y="2586355"/>
-            <a:ext cx="4985385" cy="2694305"/>
+            <a:off x="0" y="0"/>
+            <a:ext cx="12192000" cy="6858000"/>
           </a:xfrm>
           <a:prstGeom prst="rect">
             <a:avLst/>
           </a:prstGeom>
-        </p:spPr>
-      </p:pic>
-    </p:spTree>
-  </p:cSld>
-  <p:clrMapOvr>
-    <a:masterClrMapping/>
-  </p:clrMapOvr>
-</p:sld>
-</file>
-
-<file path=ppt/slides/slide11.xml><?xml version="1.0" encoding="utf-8"?>
-<p:sld xmlns:a="http://schemas.openxmlformats.org/drawingml/2006/main" xmlns:r="http://schemas.openxmlformats.org/officeDocument/2006/relationships" xmlns:p="http://schemas.openxmlformats.org/presentationml/2006/main">
-  <p:cSld>
-    <p:spTree>
-      <p:nvGrpSpPr>
-        <p:cNvPr id="1" name=""/>
-        <p:cNvGrpSpPr/>
-        <p:nvPr/>
-      </p:nvGrpSpPr>
-      <p:grpSpPr>
-        <a:xfrm>
-          <a:off x="0" y="0"/>
-          <a:ext cx="0" cy="0"/>
-          <a:chOff x="0" y="0"/>
-          <a:chExt cx="0" cy="0"/>
-        </a:xfrm>
-      </p:grpSpPr>
-      <p:sp>
-        <p:nvSpPr>
-          <p:cNvPr id="2" name="Título 1"/>
-          <p:cNvSpPr>
-            <a:spLocks noGrp="1"/>
-          </p:cNvSpPr>
-          <p:nvPr>
-            <p:ph type="title"/>
-          </p:nvPr>
-        </p:nvSpPr>
-        <p:spPr>
-          <a:xfrm>
-            <a:off x="838200" y="297815"/>
-            <a:ext cx="10515600" cy="1325563"/>
-          </a:xfrm>
-        </p:spPr>
-        <p:txBody>
-          <a:bodyPr/>
-          <a:lstStyle/>
-          <a:p>
-            <a:pPr algn="ctr"/>
-            <a:r>
-              <a:rPr lang="es-EC" altLang="es-ES">
-                <a:ln w="9525" cmpd="sng">
-                  <a:solidFill>
-                    <a:schemeClr val="accent1"/>
-                  </a:solidFill>
-                  <a:prstDash val="solid"/>
-                </a:ln>
-                <a:solidFill>
-                  <a:srgbClr val="70AD47">
-                    <a:tint val="1000"/>
-                  </a:srgbClr>
-                </a:solidFill>
-                <a:effectLst>
-                  <a:glow rad="38100">
-                    <a:schemeClr val="accent1">
-                      <a:alpha val="40000"/>
-                    </a:schemeClr>
-                  </a:glow>
-                </a:effectLst>
-              </a:rPr>
-              <a:t>Interfaz de Oracle APEX.</a:t>
-            </a:r>
-          </a:p>
-        </p:txBody>
-      </p:sp>
-      <p:pic>
-        <p:nvPicPr>
-          <p:cNvPr id="5" name="Marcador de posición de contenido 4"/>
-          <p:cNvPicPr>
-            <a:picLocks noGrp="1" noChangeAspect="1"/>
-          </p:cNvPicPr>
-          <p:nvPr>
-            <p:ph sz="half" idx="1"/>
-          </p:nvPr>
-        </p:nvPicPr>
-        <p:blipFill>
-          <a:blip r:embed="rId2" cstate="print"/>
-          <a:stretch>
-            <a:fillRect/>
-          </a:stretch>
-        </p:blipFill>
-        <p:spPr>
-          <a:xfrm>
-            <a:off x="128270" y="1623695"/>
-            <a:ext cx="5891530" cy="4352290"/>
-          </a:xfrm>
-          <a:prstGeom prst="rect">
-            <a:avLst/>
-          </a:prstGeom>
-          <a:ln>
-            <a:solidFill>
-              <a:schemeClr val="accent1"/>
-            </a:solidFill>
-          </a:ln>
-        </p:spPr>
-      </p:pic>
-      <p:pic>
-        <p:nvPicPr>
-          <p:cNvPr id="6" name="Marcador de posición de contenido 5"/>
-          <p:cNvPicPr>
-            <a:picLocks noGrp="1" noChangeAspect="1"/>
-          </p:cNvPicPr>
-          <p:nvPr>
-            <p:ph sz="half" idx="2"/>
-          </p:nvPr>
-        </p:nvPicPr>
-        <p:blipFill>
-          <a:blip r:embed="rId3" cstate="print"/>
-          <a:stretch>
-            <a:fillRect/>
-          </a:stretch>
-        </p:blipFill>
-        <p:spPr>
-          <a:xfrm>
-            <a:off x="6172200" y="1623695"/>
-            <a:ext cx="5845810" cy="4351655"/>
-          </a:xfrm>
-          <a:prstGeom prst="rect">
-            <a:avLst/>
-          </a:prstGeom>
-          <a:ln>
-            <a:solidFill>
-              <a:schemeClr val="accent1"/>
-            </a:solidFill>
-          </a:ln>
-        </p:spPr>
-      </p:pic>
-    </p:spTree>
-  </p:cSld>
-  <p:clrMapOvr>
-    <a:masterClrMapping/>
-  </p:clrMapOvr>
-</p:sld>
-</file>
-
-<file path=ppt/slides/slide12.xml><?xml version="1.0" encoding="utf-8"?>
-<p:sld xmlns:a="http://schemas.openxmlformats.org/drawingml/2006/main" xmlns:r="http://schemas.openxmlformats.org/officeDocument/2006/relationships" xmlns:p="http://schemas.openxmlformats.org/presentationml/2006/main">
-  <p:cSld>
-    <p:spTree>
-      <p:nvGrpSpPr>
-        <p:cNvPr id="1" name=""/>
-        <p:cNvGrpSpPr/>
-        <p:nvPr/>
-      </p:nvGrpSpPr>
-      <p:grpSpPr>
-        <a:xfrm>
-          <a:off x="0" y="0"/>
-          <a:ext cx="0" cy="0"/>
-          <a:chOff x="0" y="0"/>
-          <a:chExt cx="0" cy="0"/>
-        </a:xfrm>
-      </p:grpSpPr>
-      <p:sp>
-        <p:nvSpPr>
-          <p:cNvPr id="2" name="Título 1"/>
-          <p:cNvSpPr>
-            <a:spLocks noGrp="1"/>
-          </p:cNvSpPr>
-          <p:nvPr>
-            <p:ph type="title"/>
-          </p:nvPr>
-        </p:nvSpPr>
-        <p:spPr>
-          <a:xfrm>
-            <a:off x="838200" y="311150"/>
-            <a:ext cx="10515600" cy="1325563"/>
-          </a:xfrm>
-        </p:spPr>
-        <p:txBody>
-          <a:bodyPr>
-            <a:normAutofit/>
-          </a:bodyPr>
-          <a:lstStyle/>
-          <a:p>
-            <a:pPr algn="ctr"/>
-            <a:r>
-              <a:rPr lang="es-EC" altLang="es-ES">
-                <a:ln w="9525" cmpd="sng">
-                  <a:solidFill>
-                    <a:schemeClr val="accent1"/>
-                  </a:solidFill>
-                  <a:prstDash val="solid"/>
-                </a:ln>
-                <a:solidFill>
-                  <a:srgbClr val="70AD47">
-                    <a:tint val="1000"/>
-                  </a:srgbClr>
-                </a:solidFill>
-                <a:effectLst>
-                  <a:glow rad="38100">
-                    <a:schemeClr val="accent1">
-                      <a:alpha val="40000"/>
-                    </a:schemeClr>
-                  </a:glow>
-                </a:effectLst>
-                <a:sym typeface="+mn-ea"/>
-              </a:rPr>
-              <a:t>Interfaz de Oracle APEX.</a:t>
-            </a:r>
-          </a:p>
-        </p:txBody>
-      </p:sp>
-      <p:pic>
-        <p:nvPicPr>
-          <p:cNvPr id="5" name="Marcador de posición de contenido 4"/>
-          <p:cNvPicPr>
-            <a:picLocks noGrp="1" noChangeAspect="1"/>
-          </p:cNvPicPr>
-          <p:nvPr>
-            <p:ph sz="half" idx="1"/>
-          </p:nvPr>
-        </p:nvPicPr>
-        <p:blipFill>
-          <a:blip r:embed="rId2" cstate="print"/>
-          <a:stretch>
-            <a:fillRect/>
-          </a:stretch>
-        </p:blipFill>
-        <p:spPr>
-          <a:xfrm>
-            <a:off x="143510" y="1637030"/>
-            <a:ext cx="5876290" cy="4351655"/>
-          </a:xfrm>
-          <a:prstGeom prst="rect">
-            <a:avLst/>
-          </a:prstGeom>
-          <a:ln>
-            <a:solidFill>
-              <a:schemeClr val="accent1"/>
-            </a:solidFill>
-          </a:ln>
-        </p:spPr>
-      </p:pic>
-      <p:pic>
-        <p:nvPicPr>
-          <p:cNvPr id="6" name="Marcador de posición de contenido 5"/>
-          <p:cNvPicPr>
-            <a:picLocks noGrp="1" noChangeAspect="1"/>
-          </p:cNvPicPr>
-          <p:nvPr>
-            <p:ph sz="half" idx="2"/>
-          </p:nvPr>
-        </p:nvPicPr>
-        <p:blipFill>
-          <a:blip r:embed="rId3" cstate="print"/>
-          <a:stretch>
-            <a:fillRect/>
-          </a:stretch>
-        </p:blipFill>
-        <p:spPr>
-          <a:xfrm>
-            <a:off x="6172200" y="1637030"/>
-            <a:ext cx="5921375" cy="4352290"/>
-          </a:xfrm>
-          <a:prstGeom prst="rect">
-            <a:avLst/>
-          </a:prstGeom>
-          <a:ln>
-            <a:solidFill>
-              <a:schemeClr val="accent1"/>
-            </a:solidFill>
-          </a:ln>
-        </p:spPr>
-      </p:pic>
-    </p:spTree>
-  </p:cSld>
-  <p:clrMapOvr>
-    <a:masterClrMapping/>
-  </p:clrMapOvr>
-</p:sld>
-</file>
-
-<file path=ppt/slides/slide13.xml><?xml version="1.0" encoding="utf-8"?>
-<p:sld xmlns:a="http://schemas.openxmlformats.org/drawingml/2006/main" xmlns:r="http://schemas.openxmlformats.org/officeDocument/2006/relationships" xmlns:p="http://schemas.openxmlformats.org/presentationml/2006/main">
-  <p:cSld>
-    <p:spTree>
-      <p:nvGrpSpPr>
-        <p:cNvPr id="1" name=""/>
-        <p:cNvGrpSpPr/>
-        <p:nvPr/>
-      </p:nvGrpSpPr>
-      <p:grpSpPr>
-        <a:xfrm>
-          <a:off x="0" y="0"/>
-          <a:ext cx="0" cy="0"/>
-          <a:chOff x="0" y="0"/>
-          <a:chExt cx="0" cy="0"/>
-        </a:xfrm>
-      </p:grpSpPr>
-      <p:pic>
-        <p:nvPicPr>
-          <p:cNvPr id="3" name="Marcador de posición de contenido 2" descr="Diagrama-newbase"/>
-          <p:cNvPicPr>
-            <a:picLocks noGrp="1" noChangeAspect="1"/>
-          </p:cNvPicPr>
-          <p:nvPr>
-            <p:ph/>
-          </p:nvPr>
-        </p:nvPicPr>
-        <p:blipFill>
-          <a:blip r:embed="rId2" cstate="print"/>
-          <a:stretch>
-            <a:fillRect/>
-          </a:stretch>
-        </p:blipFill>
-        <p:spPr>
-          <a:xfrm>
-            <a:off x="-18415" y="4445"/>
-            <a:ext cx="12234545" cy="6869430"/>
-          </a:xfrm>
-          <a:prstGeom prst="rect">
-            <a:avLst/>
-          </a:prstGeom>
+          <a:noFill/>
         </p:spPr>
       </p:pic>
     </p:spTree>
@@ -3756,7 +3261,7 @@
         </p:blipFill>
         <p:spPr bwMode="auto">
           <a:xfrm>
-            <a:off x="879702" y="4302889"/>
+            <a:off x="1728787" y="4302889"/>
             <a:ext cx="2085567" cy="2137100"/>
           </a:xfrm>
           <a:prstGeom prst="rect">
@@ -3785,7 +3290,7 @@
         </p:blipFill>
         <p:spPr bwMode="auto">
           <a:xfrm>
-            <a:off x="3578044" y="4260351"/>
+            <a:off x="4832078" y="4260351"/>
             <a:ext cx="2052048" cy="2127386"/>
           </a:xfrm>
           <a:prstGeom prst="rect">
@@ -3811,7 +3316,7 @@
         </p:blipFill>
         <p:spPr bwMode="auto">
           <a:xfrm>
-            <a:off x="8829310" y="4178710"/>
+            <a:off x="8032476" y="4178710"/>
             <a:ext cx="2038988" cy="2117588"/>
           </a:xfrm>
           <a:prstGeom prst="rect">
@@ -3932,7 +3437,7 @@
           <a:p>
             <a:pPr algn="just"/>
             <a:r>
-              <a:rPr lang="es-ES" altLang="en-US" dirty="0" smtClean="0">
+              <a:rPr lang="es-ES" altLang="en-US" sz="3200" dirty="0" smtClean="0">
                 <a:ln w="9525" cmpd="sng">
                   <a:solidFill>
                     <a:schemeClr val="accent1"/>
@@ -3955,7 +3460,7 @@
               <a:t>Administrar la </a:t>
             </a:r>
             <a:r>
-              <a:rPr lang="es-ES" altLang="en-US" dirty="0" err="1" smtClean="0">
+              <a:rPr lang="es-ES" altLang="en-US" sz="3200" dirty="0" smtClean="0">
                 <a:ln w="9525" cmpd="sng">
                   <a:solidFill>
                     <a:schemeClr val="accent1"/>
@@ -3975,10 +3480,10 @@
                   </a:glow>
                 </a:effectLst>
               </a:rPr>
-              <a:t>reservacion</a:t>
-            </a:r>
-            <a:r>
-              <a:rPr lang="es-ES" altLang="en-US" dirty="0" smtClean="0">
+              <a:t>reservación </a:t>
+            </a:r>
+            <a:r>
+              <a:rPr lang="es-ES" altLang="en-US" sz="3200" dirty="0" smtClean="0">
                 <a:ln w="9525" cmpd="sng">
                   <a:solidFill>
                     <a:schemeClr val="accent1"/>
@@ -3998,9 +3503,9 @@
                   </a:glow>
                 </a:effectLst>
               </a:rPr>
-              <a:t> de mesas en un restaurante, implementando una pagina web en la cual los </a:t>
-            </a:r>
-            <a:endParaRPr lang="es-EC" altLang="es-ES" dirty="0"/>
+              <a:t>de mesas en un restaurante, implementando una pagina web en la cual los usuarios podrán consultar, reservar e informarse sobre la disponibilidad de las mesas para evitar la confusión o equivocación de los usuarios.</a:t>
+            </a:r>
+            <a:endParaRPr lang="es-EC" altLang="es-ES" sz="3200" dirty="0"/>
           </a:p>
         </p:txBody>
       </p:sp>
@@ -4055,141 +3560,13 @@
           <a:chExt cx="0" cy="0"/>
         </a:xfrm>
       </p:grpSpPr>
-      <p:sp>
-        <p:nvSpPr>
-          <p:cNvPr id="2" name="Título 1"/>
-          <p:cNvSpPr>
-            <a:spLocks noGrp="1"/>
-          </p:cNvSpPr>
-          <p:nvPr>
-            <p:ph type="title"/>
-          </p:nvPr>
-        </p:nvSpPr>
-        <p:spPr/>
-        <p:txBody>
-          <a:bodyPr/>
-          <a:lstStyle/>
-          <a:p>
-            <a:pPr algn="ctr"/>
-            <a:r>
-              <a:rPr lang="es-EC" altLang="es-ES" dirty="0" smtClean="0">
-                <a:ln w="9525" cmpd="sng">
-                  <a:solidFill>
-                    <a:schemeClr val="accent1"/>
-                  </a:solidFill>
-                  <a:prstDash val="solid"/>
-                </a:ln>
-                <a:solidFill>
-                  <a:srgbClr val="70AD47">
-                    <a:tint val="1000"/>
-                  </a:srgbClr>
-                </a:solidFill>
-                <a:effectLst>
-                  <a:glow rad="38100">
-                    <a:schemeClr val="accent1">
-                      <a:alpha val="40000"/>
-                    </a:schemeClr>
-                  </a:glow>
-                </a:effectLst>
-              </a:rPr>
-              <a:t>Objetivos Específicos.</a:t>
-            </a:r>
-            <a:endParaRPr lang="es-EC" altLang="es-ES" dirty="0">
-              <a:ln w="9525" cmpd="sng">
-                <a:solidFill>
-                  <a:schemeClr val="accent1"/>
-                </a:solidFill>
-                <a:prstDash val="solid"/>
-              </a:ln>
-              <a:solidFill>
-                <a:srgbClr val="70AD47">
-                  <a:tint val="1000"/>
-                </a:srgbClr>
-              </a:solidFill>
-              <a:effectLst>
-                <a:glow rad="38100">
-                  <a:schemeClr val="accent1">
-                    <a:alpha val="40000"/>
-                  </a:schemeClr>
-                </a:glow>
-              </a:effectLst>
-            </a:endParaRPr>
-          </a:p>
-        </p:txBody>
-      </p:sp>
-      <p:sp>
-        <p:nvSpPr>
-          <p:cNvPr id="3" name="Marcador de posición de contenido 2"/>
-          <p:cNvSpPr>
-            <a:spLocks noGrp="1"/>
-          </p:cNvSpPr>
-          <p:nvPr>
-            <p:ph sz="half" idx="1"/>
-          </p:nvPr>
-        </p:nvSpPr>
-        <p:spPr/>
-        <p:txBody>
-          <a:bodyPr>
-            <a:normAutofit/>
-          </a:bodyPr>
-          <a:lstStyle/>
-          <a:p>
-            <a:pPr algn="just"/>
-            <a:r>
-              <a:rPr lang="es-EC" altLang="es-ES" dirty="0" smtClean="0">
-                <a:ln w="9525" cmpd="sng">
-                  <a:solidFill>
-                    <a:schemeClr val="accent1"/>
-                  </a:solidFill>
-                  <a:prstDash val="solid"/>
-                </a:ln>
-                <a:solidFill>
-                  <a:srgbClr val="70AD47">
-                    <a:tint val="1000"/>
-                  </a:srgbClr>
-                </a:solidFill>
-                <a:effectLst>
-                  <a:glow rad="38100">
-                    <a:schemeClr val="accent1">
-                      <a:alpha val="40000"/>
-                    </a:schemeClr>
-                  </a:glow>
-                </a:effectLst>
-              </a:rPr>
-              <a:t>D</a:t>
-            </a:r>
-            <a:endParaRPr lang="es-EC" altLang="es-ES" dirty="0">
-              <a:ln w="9525" cmpd="sng">
-                <a:solidFill>
-                  <a:schemeClr val="accent1"/>
-                </a:solidFill>
-                <a:prstDash val="solid"/>
-              </a:ln>
-              <a:solidFill>
-                <a:srgbClr val="70AD47">
-                  <a:tint val="1000"/>
-                </a:srgbClr>
-              </a:solidFill>
-              <a:effectLst>
-                <a:glow rad="38100">
-                  <a:schemeClr val="accent1">
-                    <a:alpha val="40000"/>
-                  </a:schemeClr>
-                </a:glow>
-              </a:effectLst>
-            </a:endParaRPr>
-          </a:p>
-        </p:txBody>
-      </p:sp>
       <p:pic>
         <p:nvPicPr>
-          <p:cNvPr id="7" name="Marcador de posición de contenido 6"/>
+          <p:cNvPr id="2" name="1 Imagen" descr="WhatsApp Image 2019-02-05 at 19.50.36.jpeg"/>
           <p:cNvPicPr>
-            <a:picLocks noGrp="1" noChangeAspect="1"/>
+            <a:picLocks noChangeAspect="1"/>
           </p:cNvPicPr>
-          <p:nvPr>
-            <p:ph sz="half" idx="2"/>
-          </p:nvPr>
+          <p:nvPr/>
         </p:nvPicPr>
         <p:blipFill>
           <a:blip r:embed="rId2" cstate="print"/>
@@ -4199,8 +3576,8 @@
         </p:blipFill>
         <p:spPr>
           <a:xfrm>
-            <a:off x="6891020" y="1825625"/>
-            <a:ext cx="3742690" cy="4351655"/>
+            <a:off x="0" y="4762"/>
+            <a:ext cx="12192000" cy="6848475"/>
           </a:xfrm>
           <a:prstGeom prst="rect">
             <a:avLst/>
@@ -4232,392 +3609,13 @@
           <a:chExt cx="0" cy="0"/>
         </a:xfrm>
       </p:grpSpPr>
-      <p:sp>
-        <p:nvSpPr>
-          <p:cNvPr id="2" name="Título 1"/>
-          <p:cNvSpPr>
-            <a:spLocks noGrp="1"/>
-          </p:cNvSpPr>
-          <p:nvPr>
-            <p:ph type="title"/>
-          </p:nvPr>
-        </p:nvSpPr>
-        <p:spPr/>
-        <p:txBody>
-          <a:bodyPr/>
-          <a:lstStyle/>
-          <a:p>
-            <a:pPr algn="ctr"/>
-            <a:r>
-              <a:rPr lang="es-EC" altLang="es-ES" dirty="0" smtClean="0">
-                <a:ln w="9525" cmpd="sng">
-                  <a:solidFill>
-                    <a:schemeClr val="accent1"/>
-                  </a:solidFill>
-                  <a:prstDash val="solid"/>
-                </a:ln>
-                <a:solidFill>
-                  <a:srgbClr val="70AD47">
-                    <a:tint val="1000"/>
-                  </a:srgbClr>
-                </a:solidFill>
-                <a:effectLst>
-                  <a:glow rad="38100">
-                    <a:schemeClr val="accent1">
-                      <a:alpha val="40000"/>
-                    </a:schemeClr>
-                  </a:glow>
-                </a:effectLst>
-              </a:rPr>
-              <a:t>Resumen.</a:t>
-            </a:r>
-            <a:endParaRPr lang="es-EC" altLang="es-ES" dirty="0">
-              <a:ln w="9525" cmpd="sng">
-                <a:solidFill>
-                  <a:schemeClr val="accent1"/>
-                </a:solidFill>
-                <a:prstDash val="solid"/>
-              </a:ln>
-              <a:solidFill>
-                <a:srgbClr val="70AD47">
-                  <a:tint val="1000"/>
-                </a:srgbClr>
-              </a:solidFill>
-              <a:effectLst>
-                <a:glow rad="38100">
-                  <a:schemeClr val="accent1">
-                    <a:alpha val="40000"/>
-                  </a:schemeClr>
-                </a:glow>
-              </a:effectLst>
-            </a:endParaRPr>
-          </a:p>
-        </p:txBody>
-      </p:sp>
-      <p:sp>
-        <p:nvSpPr>
-          <p:cNvPr id="3" name="Marcador de posición de contenido 2"/>
-          <p:cNvSpPr>
-            <a:spLocks noGrp="1"/>
-          </p:cNvSpPr>
-          <p:nvPr>
-            <p:ph sz="half" idx="1"/>
-          </p:nvPr>
-        </p:nvSpPr>
-        <p:spPr>
-          <a:xfrm>
-            <a:off x="5387975" y="1825625"/>
-            <a:ext cx="6637020" cy="4848860"/>
-          </a:xfrm>
-        </p:spPr>
-        <p:txBody>
-          <a:bodyPr>
-            <a:noAutofit/>
-          </a:bodyPr>
-          <a:lstStyle/>
-          <a:p>
-            <a:pPr algn="just"/>
-            <a:r>
-              <a:rPr lang="es-EC" altLang="es-ES" sz="2500" dirty="0">
-                <a:ln w="9525" cmpd="sng">
-                  <a:solidFill>
-                    <a:schemeClr val="accent1"/>
-                  </a:solidFill>
-                  <a:prstDash val="solid"/>
-                </a:ln>
-                <a:solidFill>
-                  <a:srgbClr val="70AD47">
-                    <a:tint val="1000"/>
-                  </a:srgbClr>
-                </a:solidFill>
-                <a:effectLst>
-                  <a:glow rad="38100">
-                    <a:schemeClr val="accent1">
-                      <a:alpha val="40000"/>
-                    </a:schemeClr>
-                  </a:glow>
-                </a:effectLst>
-                <a:sym typeface="+mn-ea"/>
-              </a:rPr>
-              <a:t>Todo integrado en la misma herramienta.</a:t>
-            </a:r>
-            <a:endParaRPr lang="es-EC" altLang="es-ES" sz="2500" dirty="0">
-              <a:ln w="9525" cmpd="sng">
-                <a:solidFill>
-                  <a:schemeClr val="accent1"/>
-                </a:solidFill>
-                <a:prstDash val="solid"/>
-              </a:ln>
-              <a:solidFill>
-                <a:srgbClr val="70AD47">
-                  <a:tint val="1000"/>
-                </a:srgbClr>
-              </a:solidFill>
-              <a:effectLst>
-                <a:glow rad="38100">
-                  <a:schemeClr val="accent1">
-                    <a:alpha val="40000"/>
-                  </a:schemeClr>
-                </a:glow>
-              </a:effectLst>
-            </a:endParaRPr>
-          </a:p>
-          <a:p>
-            <a:pPr algn="just"/>
-            <a:endParaRPr lang="es-EC" altLang="es-ES" sz="2500" dirty="0">
-              <a:ln w="9525" cmpd="sng">
-                <a:solidFill>
-                  <a:schemeClr val="accent1"/>
-                </a:solidFill>
-                <a:prstDash val="solid"/>
-              </a:ln>
-              <a:solidFill>
-                <a:srgbClr val="70AD47">
-                  <a:tint val="1000"/>
-                </a:srgbClr>
-              </a:solidFill>
-              <a:effectLst>
-                <a:glow rad="38100">
-                  <a:schemeClr val="accent1">
-                    <a:alpha val="40000"/>
-                  </a:schemeClr>
-                </a:glow>
-              </a:effectLst>
-            </a:endParaRPr>
-          </a:p>
-          <a:p>
-            <a:pPr algn="just"/>
-            <a:r>
-              <a:rPr lang="es-EC" altLang="es-ES" sz="2500" dirty="0">
-                <a:ln w="9525" cmpd="sng">
-                  <a:solidFill>
-                    <a:schemeClr val="accent1"/>
-                  </a:solidFill>
-                  <a:prstDash val="solid"/>
-                </a:ln>
-                <a:solidFill>
-                  <a:srgbClr val="70AD47">
-                    <a:tint val="1000"/>
-                  </a:srgbClr>
-                </a:solidFill>
-                <a:effectLst>
-                  <a:glow rad="38100">
-                    <a:schemeClr val="accent1">
-                      <a:alpha val="40000"/>
-                    </a:schemeClr>
-                  </a:glow>
-                </a:effectLst>
-                <a:sym typeface="+mn-ea"/>
-              </a:rPr>
-              <a:t>Escalable.</a:t>
-            </a:r>
-          </a:p>
-          <a:p>
-            <a:pPr marL="0" indent="0" algn="just">
-              <a:buNone/>
-            </a:pPr>
-            <a:endParaRPr lang="es-EC" altLang="es-ES" sz="2500" dirty="0">
-              <a:ln w="9525" cmpd="sng">
-                <a:solidFill>
-                  <a:schemeClr val="accent1"/>
-                </a:solidFill>
-                <a:prstDash val="solid"/>
-              </a:ln>
-              <a:solidFill>
-                <a:srgbClr val="70AD47">
-                  <a:tint val="1000"/>
-                </a:srgbClr>
-              </a:solidFill>
-              <a:effectLst>
-                <a:glow rad="38100">
-                  <a:schemeClr val="accent1">
-                    <a:alpha val="40000"/>
-                  </a:schemeClr>
-                </a:glow>
-              </a:effectLst>
-            </a:endParaRPr>
-          </a:p>
-          <a:p>
-            <a:pPr algn="just"/>
-            <a:r>
-              <a:rPr lang="es-EC" altLang="es-ES" sz="2500" dirty="0" err="1">
-                <a:ln w="9525" cmpd="sng">
-                  <a:solidFill>
-                    <a:schemeClr val="accent1"/>
-                  </a:solidFill>
-                  <a:prstDash val="solid"/>
-                </a:ln>
-                <a:solidFill>
-                  <a:srgbClr val="70AD47">
-                    <a:tint val="1000"/>
-                  </a:srgbClr>
-                </a:solidFill>
-                <a:effectLst>
-                  <a:glow rad="38100">
-                    <a:schemeClr val="accent1">
-                      <a:alpha val="40000"/>
-                    </a:schemeClr>
-                  </a:glow>
-                </a:effectLst>
-              </a:rPr>
-              <a:t>DBAs</a:t>
-            </a:r>
-            <a:r>
-              <a:rPr lang="es-EC" altLang="es-ES" sz="2500" dirty="0">
-                <a:ln w="9525" cmpd="sng">
-                  <a:solidFill>
-                    <a:schemeClr val="accent1"/>
-                  </a:solidFill>
-                  <a:prstDash val="solid"/>
-                </a:ln>
-                <a:solidFill>
-                  <a:srgbClr val="70AD47">
-                    <a:tint val="1000"/>
-                  </a:srgbClr>
-                </a:solidFill>
-                <a:effectLst>
-                  <a:glow rad="38100">
-                    <a:schemeClr val="accent1">
-                      <a:alpha val="40000"/>
-                    </a:schemeClr>
-                  </a:glow>
-                </a:effectLst>
-              </a:rPr>
-              <a:t> familiarizado.</a:t>
-            </a:r>
-          </a:p>
-          <a:p>
-            <a:pPr algn="just"/>
-            <a:endParaRPr lang="es-EC" altLang="es-ES" sz="2500" dirty="0">
-              <a:ln w="9525" cmpd="sng">
-                <a:solidFill>
-                  <a:schemeClr val="accent1"/>
-                </a:solidFill>
-                <a:prstDash val="solid"/>
-              </a:ln>
-              <a:solidFill>
-                <a:srgbClr val="70AD47">
-                  <a:tint val="1000"/>
-                </a:srgbClr>
-              </a:solidFill>
-              <a:effectLst>
-                <a:glow rad="38100">
-                  <a:schemeClr val="accent1">
-                    <a:alpha val="40000"/>
-                  </a:schemeClr>
-                </a:glow>
-              </a:effectLst>
-            </a:endParaRPr>
-          </a:p>
-          <a:p>
-            <a:pPr algn="just"/>
-            <a:r>
-              <a:rPr lang="es-EC" altLang="es-ES" sz="2500" dirty="0">
-                <a:ln w="9525" cmpd="sng">
-                  <a:solidFill>
-                    <a:schemeClr val="accent1"/>
-                  </a:solidFill>
-                  <a:prstDash val="solid"/>
-                </a:ln>
-                <a:solidFill>
-                  <a:srgbClr val="70AD47">
-                    <a:tint val="1000"/>
-                  </a:srgbClr>
-                </a:solidFill>
-                <a:effectLst>
-                  <a:glow rad="38100">
-                    <a:schemeClr val="accent1">
-                      <a:alpha val="40000"/>
-                    </a:schemeClr>
-                  </a:glow>
-                </a:effectLst>
-              </a:rPr>
-              <a:t>Una gran comunidad de usuarios.</a:t>
-            </a:r>
-          </a:p>
-          <a:p>
-            <a:pPr algn="just"/>
-            <a:endParaRPr lang="es-EC" altLang="es-ES" sz="2500" dirty="0">
-              <a:ln w="9525" cmpd="sng">
-                <a:solidFill>
-                  <a:schemeClr val="accent1"/>
-                </a:solidFill>
-                <a:prstDash val="solid"/>
-              </a:ln>
-              <a:solidFill>
-                <a:srgbClr val="70AD47">
-                  <a:tint val="1000"/>
-                </a:srgbClr>
-              </a:solidFill>
-              <a:effectLst>
-                <a:glow rad="38100">
-                  <a:schemeClr val="accent1">
-                    <a:alpha val="40000"/>
-                  </a:schemeClr>
-                </a:glow>
-              </a:effectLst>
-            </a:endParaRPr>
-          </a:p>
-          <a:p>
-            <a:pPr algn="just"/>
-            <a:r>
-              <a:rPr lang="es-EC" altLang="es-ES" sz="2500" dirty="0" err="1">
-                <a:ln w="9525" cmpd="sng">
-                  <a:solidFill>
-                    <a:schemeClr val="accent1"/>
-                  </a:solidFill>
-                  <a:prstDash val="solid"/>
-                </a:ln>
-                <a:solidFill>
-                  <a:srgbClr val="70AD47">
-                    <a:tint val="1000"/>
-                  </a:srgbClr>
-                </a:solidFill>
-                <a:effectLst>
-                  <a:glow rad="38100">
-                    <a:schemeClr val="accent1">
-                      <a:alpha val="40000"/>
-                    </a:schemeClr>
-                  </a:glow>
-                </a:effectLst>
-              </a:rPr>
-              <a:t>Facil</a:t>
-            </a:r>
-            <a:r>
-              <a:rPr lang="es-EC" altLang="es-ES" sz="2500" dirty="0">
-                <a:ln w="9525" cmpd="sng">
-                  <a:solidFill>
-                    <a:schemeClr val="accent1"/>
-                  </a:solidFill>
-                  <a:prstDash val="solid"/>
-                </a:ln>
-                <a:solidFill>
-                  <a:srgbClr val="70AD47">
-                    <a:tint val="1000"/>
-                  </a:srgbClr>
-                </a:solidFill>
-                <a:effectLst>
-                  <a:glow rad="38100">
-                    <a:schemeClr val="accent1">
-                      <a:alpha val="40000"/>
-                    </a:schemeClr>
-                  </a:glow>
-                </a:effectLst>
-              </a:rPr>
-              <a:t> para crear aplicaciones, espacios de trabajo, tablas, entre otras novedades.</a:t>
-            </a:r>
-          </a:p>
-        </p:txBody>
-      </p:sp>
       <p:pic>
         <p:nvPicPr>
-          <p:cNvPr id="5" name="Marcador de posición de contenido 4" descr="3250109L"/>
+          <p:cNvPr id="2" name="1 Imagen" descr="WhatsApp Image 2019-02-05 at 19.51.07.jpeg"/>
           <p:cNvPicPr>
-            <a:picLocks noGrp="1" noChangeAspect="1"/>
+            <a:picLocks noChangeAspect="1"/>
           </p:cNvPicPr>
-          <p:nvPr>
-            <p:ph sz="half" idx="2"/>
-          </p:nvPr>
+          <p:nvPr/>
         </p:nvPicPr>
         <p:blipFill>
           <a:blip r:embed="rId2" cstate="print"/>
@@ -4627,8 +3625,8 @@
         </p:blipFill>
         <p:spPr>
           <a:xfrm>
-            <a:off x="1762125" y="2334260"/>
-            <a:ext cx="3333750" cy="3333750"/>
+            <a:off x="0" y="4762"/>
+            <a:ext cx="12192000" cy="6848475"/>
           </a:xfrm>
           <a:prstGeom prst="rect">
             <a:avLst/>
@@ -4662,280 +3660,66 @@
       </p:grpSpPr>
       <p:sp>
         <p:nvSpPr>
-          <p:cNvPr id="3" name="Marcador de posición de contenido 2"/>
-          <p:cNvSpPr>
-            <a:spLocks noGrp="1"/>
-          </p:cNvSpPr>
-          <p:nvPr>
-            <p:ph sz="half" idx="1"/>
-          </p:nvPr>
-        </p:nvSpPr>
-        <p:spPr>
-          <a:xfrm>
-            <a:off x="838200" y="2297430"/>
-            <a:ext cx="10294620" cy="3879850"/>
-          </a:xfrm>
-        </p:spPr>
-        <p:txBody>
-          <a:bodyPr>
-            <a:normAutofit/>
-            <a:scene3d>
-              <a:camera prst="orthographicFront"/>
-              <a:lightRig rig="threePt" dir="t"/>
-            </a:scene3d>
-          </a:bodyPr>
-          <a:lstStyle/>
-          <a:p>
-            <a:pPr marL="0" indent="0" algn="just">
-              <a:buNone/>
-            </a:pPr>
-            <a:endParaRPr lang="es-EC" altLang="es-ES">
-              <a:ln w="9525" cmpd="sng">
-                <a:solidFill>
-                  <a:schemeClr val="accent1"/>
-                </a:solidFill>
-                <a:prstDash val="solid"/>
-              </a:ln>
-              <a:solidFill>
-                <a:srgbClr val="70AD47">
-                  <a:tint val="1000"/>
-                </a:srgbClr>
-              </a:solidFill>
-              <a:effectLst>
-                <a:glow rad="38100">
-                  <a:schemeClr val="accent1">
-                    <a:alpha val="40000"/>
-                  </a:schemeClr>
-                </a:glow>
-              </a:effectLst>
-            </a:endParaRPr>
-          </a:p>
-          <a:p>
-            <a:pPr marL="0" indent="0" algn="just">
-              <a:buNone/>
-            </a:pPr>
-            <a:r>
-              <a:rPr lang="es-EC" altLang="es-ES">
-                <a:ln w="9525" cmpd="sng">
-                  <a:solidFill>
-                    <a:schemeClr val="accent1"/>
-                  </a:solidFill>
-                  <a:prstDash val="solid"/>
-                </a:ln>
-                <a:solidFill>
-                  <a:srgbClr val="70AD47">
-                    <a:tint val="1000"/>
-                  </a:srgbClr>
-                </a:solidFill>
-                <a:effectLst>
-                  <a:glow rad="38100">
-                    <a:schemeClr val="accent1">
-                      <a:alpha val="40000"/>
-                    </a:schemeClr>
-                  </a:glow>
-                </a:effectLst>
-                <a:sym typeface="+mn-ea"/>
-              </a:rPr>
-              <a:t>Oracle es el proveedor mundial líder de software para administración de información, y la segunda empresa de </a:t>
-            </a:r>
-            <a:br>
-              <a:rPr lang="es-EC" altLang="es-ES">
-                <a:ln w="9525" cmpd="sng">
-                  <a:solidFill>
-                    <a:schemeClr val="accent1"/>
-                  </a:solidFill>
-                  <a:prstDash val="solid"/>
-                </a:ln>
-                <a:solidFill>
-                  <a:srgbClr val="70AD47">
-                    <a:tint val="1000"/>
-                  </a:srgbClr>
-                </a:solidFill>
-                <a:effectLst>
-                  <a:glow rad="38100">
-                    <a:schemeClr val="accent1">
-                      <a:alpha val="40000"/>
-                    </a:schemeClr>
-                  </a:glow>
-                </a:effectLst>
-                <a:sym typeface="+mn-ea"/>
-              </a:rPr>
-            </a:br>
-            <a:r>
-              <a:rPr lang="es-EC" altLang="es-ES">
-                <a:ln w="9525" cmpd="sng">
-                  <a:solidFill>
-                    <a:schemeClr val="accent1"/>
-                  </a:solidFill>
-                  <a:prstDash val="solid"/>
-                </a:ln>
-                <a:solidFill>
-                  <a:srgbClr val="70AD47">
-                    <a:tint val="1000"/>
-                  </a:srgbClr>
-                </a:solidFill>
-                <a:effectLst>
-                  <a:glow rad="38100">
-                    <a:schemeClr val="accent1">
-                      <a:alpha val="40000"/>
-                    </a:schemeClr>
-                  </a:glow>
-                </a:effectLst>
-                <a:sym typeface="+mn-ea"/>
-              </a:rPr>
-              <a:t>software, facilita los esfuerzos de las empresas para </a:t>
-            </a:r>
-            <a:br>
-              <a:rPr lang="es-EC" altLang="es-ES">
-                <a:ln w="9525" cmpd="sng">
-                  <a:solidFill>
-                    <a:schemeClr val="accent1"/>
-                  </a:solidFill>
-                  <a:prstDash val="solid"/>
-                </a:ln>
-                <a:solidFill>
-                  <a:srgbClr val="70AD47">
-                    <a:tint val="1000"/>
-                  </a:srgbClr>
-                </a:solidFill>
-                <a:effectLst>
-                  <a:glow rad="38100">
-                    <a:schemeClr val="accent1">
-                      <a:alpha val="40000"/>
-                    </a:schemeClr>
-                  </a:glow>
-                </a:effectLst>
-                <a:sym typeface="+mn-ea"/>
-              </a:rPr>
-            </a:br>
-            <a:r>
-              <a:rPr lang="es-EC" altLang="es-ES">
-                <a:ln w="9525" cmpd="sng">
-                  <a:solidFill>
-                    <a:schemeClr val="accent1"/>
-                  </a:solidFill>
-                  <a:prstDash val="solid"/>
-                </a:ln>
-                <a:solidFill>
-                  <a:srgbClr val="70AD47">
-                    <a:tint val="1000"/>
-                  </a:srgbClr>
-                </a:solidFill>
-                <a:effectLst>
-                  <a:glow rad="38100">
-                    <a:schemeClr val="accent1">
-                      <a:alpha val="40000"/>
-                    </a:schemeClr>
-                  </a:glow>
-                </a:effectLst>
-                <a:sym typeface="+mn-ea"/>
-              </a:rPr>
-              <a:t>estandarizar, consolidar y automatizar los servicios de las </a:t>
-            </a:r>
-            <a:br>
-              <a:rPr lang="es-EC" altLang="es-ES">
-                <a:ln w="9525" cmpd="sng">
-                  <a:solidFill>
-                    <a:schemeClr val="accent1"/>
-                  </a:solidFill>
-                  <a:prstDash val="solid"/>
-                </a:ln>
-                <a:solidFill>
-                  <a:srgbClr val="70AD47">
-                    <a:tint val="1000"/>
-                  </a:srgbClr>
-                </a:solidFill>
-                <a:effectLst>
-                  <a:glow rad="38100">
-                    <a:schemeClr val="accent1">
-                      <a:alpha val="40000"/>
-                    </a:schemeClr>
-                  </a:glow>
-                </a:effectLst>
-                <a:sym typeface="+mn-ea"/>
-              </a:rPr>
-            </a:br>
-            <a:r>
-              <a:rPr lang="es-EC" altLang="es-ES">
-                <a:ln w="9525" cmpd="sng">
-                  <a:solidFill>
-                    <a:schemeClr val="accent1"/>
-                  </a:solidFill>
-                  <a:prstDash val="solid"/>
-                </a:ln>
-                <a:solidFill>
-                  <a:srgbClr val="70AD47">
-                    <a:tint val="1000"/>
-                  </a:srgbClr>
-                </a:solidFill>
-                <a:effectLst>
-                  <a:glow rad="38100">
-                    <a:schemeClr val="accent1">
-                      <a:alpha val="40000"/>
-                    </a:schemeClr>
-                  </a:glow>
-                </a:effectLst>
-                <a:sym typeface="+mn-ea"/>
-              </a:rPr>
-              <a:t>bases de datos.</a:t>
-            </a:r>
-          </a:p>
-          <a:p>
-            <a:pPr marL="0" indent="0" algn="just">
-              <a:buNone/>
-            </a:pPr>
-            <a:r>
-              <a:rPr lang="es-EC" altLang="es-ES" sz="1200">
-                <a:ln w="9525" cmpd="sng">
-                  <a:solidFill>
-                    <a:schemeClr val="accent1"/>
-                  </a:solidFill>
-                  <a:prstDash val="solid"/>
-                </a:ln>
-                <a:solidFill>
-                  <a:srgbClr val="70AD47">
-                    <a:tint val="1000"/>
-                  </a:srgbClr>
-                </a:solidFill>
-                <a:effectLst>
-                  <a:glow rad="38100">
-                    <a:schemeClr val="accent1">
-                      <a:alpha val="40000"/>
-                    </a:schemeClr>
-                  </a:glow>
-                </a:effectLst>
-                <a:sym typeface="+mn-ea"/>
-              </a:rPr>
-              <a:t>							                      (https://es.wikipedia.org/wiki/Oracle_Database)</a:t>
-            </a:r>
+          <p:cNvPr id="2" name="1 Título"/>
+          <p:cNvSpPr>
+            <a:spLocks noGrp="1"/>
+          </p:cNvSpPr>
+          <p:nvPr>
+            <p:ph type="ctrTitle"/>
+          </p:nvPr>
+        </p:nvSpPr>
+        <p:spPr/>
+        <p:txBody>
+          <a:bodyPr/>
+          <a:lstStyle/>
+          <a:p>
+            <a:endParaRPr lang="es-ES"/>
+          </a:p>
+        </p:txBody>
+      </p:sp>
+      <p:sp>
+        <p:nvSpPr>
+          <p:cNvPr id="3" name="2 Subtítulo"/>
+          <p:cNvSpPr>
+            <a:spLocks noGrp="1"/>
+          </p:cNvSpPr>
+          <p:nvPr>
+            <p:ph type="subTitle" idx="1"/>
+          </p:nvPr>
+        </p:nvSpPr>
+        <p:spPr/>
+        <p:txBody>
+          <a:bodyPr/>
+          <a:lstStyle/>
+          <a:p>
+            <a:endParaRPr lang="es-ES"/>
           </a:p>
         </p:txBody>
       </p:sp>
       <p:pic>
         <p:nvPicPr>
-          <p:cNvPr id="8" name="Marcador de posición de contenido 7" descr="images"/>
+          <p:cNvPr id="1026" name="Picture 2" descr="Resultado de imagen para angular lumen conexion"/>
           <p:cNvPicPr>
-            <a:picLocks noGrp="1" noChangeAspect="1"/>
+            <a:picLocks noChangeAspect="1" noChangeArrowheads="1"/>
           </p:cNvPicPr>
-          <p:nvPr>
-            <p:ph sz="half" idx="2"/>
-          </p:nvPr>
+          <p:nvPr/>
         </p:nvPicPr>
         <p:blipFill>
           <a:blip r:embed="rId2" cstate="print"/>
-          <a:srcRect r="38046"/>
+          <a:srcRect/>
           <a:stretch>
             <a:fillRect/>
           </a:stretch>
         </p:blipFill>
-        <p:spPr>
+        <p:spPr bwMode="auto">
           <a:xfrm>
-            <a:off x="3846830" y="444500"/>
-            <a:ext cx="3700780" cy="1852930"/>
+            <a:off x="0" y="0"/>
+            <a:ext cx="12230832" cy="6858000"/>
           </a:xfrm>
           <a:prstGeom prst="rect">
             <a:avLst/>
           </a:prstGeom>
+          <a:noFill/>
         </p:spPr>
       </p:pic>
     </p:spTree>
@@ -4965,7 +3749,7 @@
       </p:grpSpPr>
       <p:sp>
         <p:nvSpPr>
-          <p:cNvPr id="2" name="Título 1"/>
+          <p:cNvPr id="2" name="1 Título"/>
           <p:cNvSpPr>
             <a:spLocks noGrp="1"/>
           </p:cNvSpPr>
@@ -4973,459 +3757,60 @@
             <p:ph type="title"/>
           </p:nvPr>
         </p:nvSpPr>
-        <p:spPr>
+        <p:spPr/>
+        <p:txBody>
+          <a:bodyPr/>
+          <a:lstStyle/>
+          <a:p>
+            <a:endParaRPr lang="es-ES"/>
+          </a:p>
+        </p:txBody>
+      </p:sp>
+      <p:sp>
+        <p:nvSpPr>
+          <p:cNvPr id="3" name="2 Marcador de contenido"/>
+          <p:cNvSpPr>
+            <a:spLocks noGrp="1"/>
+          </p:cNvSpPr>
+          <p:nvPr>
+            <p:ph idx="1"/>
+          </p:nvPr>
+        </p:nvSpPr>
+        <p:spPr/>
+        <p:txBody>
+          <a:bodyPr/>
+          <a:lstStyle/>
+          <a:p>
+            <a:endParaRPr lang="es-ES"/>
+          </a:p>
+        </p:txBody>
+      </p:sp>
+      <p:pic>
+        <p:nvPicPr>
+          <p:cNvPr id="4098" name="Picture 2" descr="Scroll Infinito con Angular 6 y Firestore"/>
+          <p:cNvPicPr>
+            <a:picLocks noChangeAspect="1" noChangeArrowheads="1"/>
+          </p:cNvPicPr>
+          <p:nvPr/>
+        </p:nvPicPr>
+        <p:blipFill>
+          <a:blip r:embed="rId2" cstate="print"/>
+          <a:srcRect/>
+          <a:stretch>
+            <a:fillRect/>
+          </a:stretch>
+        </p:blipFill>
+        <p:spPr bwMode="auto">
           <a:xfrm>
-            <a:off x="838200" y="365125"/>
-            <a:ext cx="9683750" cy="1325880"/>
+            <a:off x="0" y="0"/>
+            <a:ext cx="12192000" cy="6858000"/>
           </a:xfrm>
+          <a:prstGeom prst="rect">
+            <a:avLst/>
+          </a:prstGeom>
+          <a:noFill/>
         </p:spPr>
-        <p:txBody>
-          <a:bodyPr/>
-          <a:lstStyle/>
-          <a:p>
-            <a:pPr algn="ctr"/>
-            <a:r>
-              <a:rPr lang="es-EC" altLang="es-ES" b="1">
-                <a:ln w="9525" cmpd="sng">
-                  <a:solidFill>
-                    <a:schemeClr val="accent1"/>
-                  </a:solidFill>
-                  <a:prstDash val="solid"/>
-                </a:ln>
-                <a:solidFill>
-                  <a:srgbClr val="70AD47">
-                    <a:tint val="1000"/>
-                  </a:srgbClr>
-                </a:solidFill>
-                <a:effectLst>
-                  <a:glow rad="38100">
-                    <a:schemeClr val="accent1">
-                      <a:alpha val="40000"/>
-                    </a:schemeClr>
-                  </a:glow>
-                </a:effectLst>
-              </a:rPr>
-              <a:t>Características		-		Ventajas</a:t>
-            </a:r>
-          </a:p>
-        </p:txBody>
-      </p:sp>
-      <p:sp>
-        <p:nvSpPr>
-          <p:cNvPr id="3" name="Marcador de posición de contenido 2"/>
-          <p:cNvSpPr>
-            <a:spLocks noGrp="1"/>
-          </p:cNvSpPr>
-          <p:nvPr>
-            <p:ph sz="half" idx="1"/>
-          </p:nvPr>
-        </p:nvSpPr>
-        <p:spPr>
-          <a:xfrm>
-            <a:off x="253365" y="1825625"/>
-            <a:ext cx="5492750" cy="4351655"/>
-          </a:xfrm>
-        </p:spPr>
-        <p:txBody>
-          <a:bodyPr>
-            <a:normAutofit fontScale="92500" lnSpcReduction="10000"/>
-          </a:bodyPr>
-          <a:lstStyle/>
-          <a:p>
-            <a:pPr algn="just">
-              <a:buFont typeface="Arial" panose="020B0604020202020204" pitchFamily="34" charset="0"/>
-              <a:buChar char="•"/>
-            </a:pPr>
-            <a:r>
-              <a:rPr lang="es-EC" altLang="es-ES">
-                <a:ln w="9525" cmpd="sng">
-                  <a:solidFill>
-                    <a:schemeClr val="accent1"/>
-                  </a:solidFill>
-                  <a:prstDash val="solid"/>
-                </a:ln>
-                <a:solidFill>
-                  <a:srgbClr val="70AD47">
-                    <a:tint val="1000"/>
-                  </a:srgbClr>
-                </a:solidFill>
-                <a:effectLst>
-                  <a:glow rad="38100">
-                    <a:schemeClr val="accent1">
-                      <a:alpha val="40000"/>
-                    </a:schemeClr>
-                  </a:glow>
-                </a:effectLst>
-              </a:rPr>
-              <a:t>A</a:t>
-            </a:r>
-            <a:r>
-              <a:rPr lang="es-ES" altLang="en-US">
-                <a:ln w="9525" cmpd="sng">
-                  <a:solidFill>
-                    <a:schemeClr val="accent1"/>
-                  </a:solidFill>
-                  <a:prstDash val="solid"/>
-                </a:ln>
-                <a:solidFill>
-                  <a:srgbClr val="70AD47">
-                    <a:tint val="1000"/>
-                  </a:srgbClr>
-                </a:solidFill>
-                <a:effectLst>
-                  <a:glow rad="38100">
-                    <a:schemeClr val="accent1">
-                      <a:alpha val="40000"/>
-                    </a:schemeClr>
-                  </a:glow>
-                </a:effectLst>
-              </a:rPr>
-              <a:t>yuda a aumentar la productividad de los DBA</a:t>
-            </a:r>
-            <a:r>
-              <a:rPr lang="es-EC" altLang="es-ES">
-                <a:ln w="9525" cmpd="sng">
-                  <a:solidFill>
-                    <a:schemeClr val="accent1"/>
-                  </a:solidFill>
-                  <a:prstDash val="solid"/>
-                </a:ln>
-                <a:solidFill>
-                  <a:srgbClr val="70AD47">
-                    <a:tint val="1000"/>
-                  </a:srgbClr>
-                </a:solidFill>
-                <a:effectLst>
-                  <a:glow rad="38100">
-                    <a:schemeClr val="accent1">
-                      <a:alpha val="40000"/>
-                    </a:schemeClr>
-                  </a:glow>
-                </a:effectLst>
-              </a:rPr>
-              <a:t> </a:t>
-            </a:r>
-            <a:r>
-              <a:rPr lang="es-ES" altLang="en-US">
-                <a:ln w="9525" cmpd="sng">
-                  <a:solidFill>
-                    <a:schemeClr val="accent1"/>
-                  </a:solidFill>
-                  <a:prstDash val="solid"/>
-                </a:ln>
-                <a:solidFill>
-                  <a:srgbClr val="70AD47">
-                    <a:tint val="1000"/>
-                  </a:srgbClr>
-                </a:solidFill>
-                <a:effectLst>
-                  <a:glow rad="38100">
-                    <a:schemeClr val="accent1">
-                      <a:alpha val="40000"/>
-                    </a:schemeClr>
-                  </a:glow>
-                </a:effectLst>
-              </a:rPr>
-              <a:t>y reducir los costos de administración, mientras aumenta el desempeño, la escalabilidad y la seguridad de sus aplicaciones</a:t>
-            </a:r>
-            <a:r>
-              <a:rPr lang="es-EC" altLang="es-ES">
-                <a:ln w="9525" cmpd="sng">
-                  <a:solidFill>
-                    <a:schemeClr val="accent1"/>
-                  </a:solidFill>
-                  <a:prstDash val="solid"/>
-                </a:ln>
-                <a:solidFill>
-                  <a:srgbClr val="70AD47">
-                    <a:tint val="1000"/>
-                  </a:srgbClr>
-                </a:solidFill>
-                <a:effectLst>
-                  <a:glow rad="38100">
-                    <a:schemeClr val="accent1">
-                      <a:alpha val="40000"/>
-                    </a:schemeClr>
-                  </a:glow>
-                </a:effectLst>
-              </a:rPr>
-              <a:t>.</a:t>
-            </a:r>
-          </a:p>
-          <a:p>
-            <a:pPr algn="just"/>
-            <a:endParaRPr lang="es-EC" altLang="es-ES">
-              <a:ln w="9525" cmpd="sng">
-                <a:solidFill>
-                  <a:schemeClr val="accent1"/>
-                </a:solidFill>
-                <a:prstDash val="solid"/>
-              </a:ln>
-              <a:solidFill>
-                <a:srgbClr val="70AD47">
-                  <a:tint val="1000"/>
-                </a:srgbClr>
-              </a:solidFill>
-              <a:effectLst>
-                <a:glow rad="38100">
-                  <a:schemeClr val="accent1">
-                    <a:alpha val="40000"/>
-                  </a:schemeClr>
-                </a:glow>
-              </a:effectLst>
-            </a:endParaRPr>
-          </a:p>
-          <a:p>
-            <a:pPr algn="just"/>
-            <a:r>
-              <a:rPr lang="es-EC" altLang="es-ES">
-                <a:ln w="9525" cmpd="sng">
-                  <a:solidFill>
-                    <a:schemeClr val="accent1"/>
-                  </a:solidFill>
-                  <a:prstDash val="solid"/>
-                </a:ln>
-                <a:solidFill>
-                  <a:srgbClr val="70AD47">
-                    <a:tint val="1000"/>
-                  </a:srgbClr>
-                </a:solidFill>
-                <a:effectLst>
-                  <a:glow rad="38100">
-                    <a:schemeClr val="accent1">
-                      <a:alpha val="40000"/>
-                    </a:schemeClr>
-                  </a:glow>
-                </a:effectLst>
-              </a:rPr>
-              <a:t>Permite crear, mantener, modificar y manipular los datos.</a:t>
-            </a:r>
-          </a:p>
-        </p:txBody>
-      </p:sp>
-      <p:sp>
-        <p:nvSpPr>
-          <p:cNvPr id="4" name="Marcador de posición de contenido 3"/>
-          <p:cNvSpPr>
-            <a:spLocks noGrp="1"/>
-          </p:cNvSpPr>
-          <p:nvPr>
-            <p:ph sz="half" idx="2"/>
-          </p:nvPr>
-        </p:nvSpPr>
-        <p:spPr>
-          <a:xfrm>
-            <a:off x="6446520" y="1825625"/>
-            <a:ext cx="5492750" cy="4351655"/>
-          </a:xfrm>
-        </p:spPr>
-        <p:txBody>
-          <a:bodyPr>
-            <a:normAutofit fontScale="92500" lnSpcReduction="10000"/>
-          </a:bodyPr>
-          <a:lstStyle/>
-          <a:p>
-            <a:pPr algn="just"/>
-            <a:r>
-              <a:rPr lang="es-EC" altLang="es-ES">
-                <a:ln w="9525" cmpd="sng">
-                  <a:solidFill>
-                    <a:schemeClr val="accent1"/>
-                  </a:solidFill>
-                  <a:prstDash val="solid"/>
-                </a:ln>
-                <a:solidFill>
-                  <a:srgbClr val="70AD47">
-                    <a:tint val="1000"/>
-                  </a:srgbClr>
-                </a:solidFill>
-                <a:effectLst>
-                  <a:glow rad="38100">
-                    <a:schemeClr val="accent1">
-                      <a:alpha val="40000"/>
-                    </a:schemeClr>
-                  </a:glow>
-                </a:effectLst>
-              </a:rPr>
-              <a:t>Sistema de gestión y control centralizado.</a:t>
-            </a:r>
-          </a:p>
-          <a:p>
-            <a:pPr marL="0" indent="0" algn="just">
-              <a:buNone/>
-            </a:pPr>
-            <a:endParaRPr lang="es-EC" altLang="es-ES">
-              <a:ln w="9525" cmpd="sng">
-                <a:solidFill>
-                  <a:schemeClr val="accent1"/>
-                </a:solidFill>
-                <a:prstDash val="solid"/>
-              </a:ln>
-              <a:solidFill>
-                <a:srgbClr val="70AD47">
-                  <a:tint val="1000"/>
-                </a:srgbClr>
-              </a:solidFill>
-              <a:effectLst>
-                <a:glow rad="38100">
-                  <a:schemeClr val="accent1">
-                    <a:alpha val="40000"/>
-                  </a:schemeClr>
-                </a:glow>
-              </a:effectLst>
-            </a:endParaRPr>
-          </a:p>
-          <a:p>
-            <a:pPr algn="just"/>
-            <a:r>
-              <a:rPr lang="es-EC" altLang="es-ES">
-                <a:ln w="9525" cmpd="sng">
-                  <a:solidFill>
-                    <a:schemeClr val="accent1"/>
-                  </a:solidFill>
-                  <a:prstDash val="solid"/>
-                </a:ln>
-                <a:solidFill>
-                  <a:srgbClr val="70AD47">
-                    <a:tint val="1000"/>
-                  </a:srgbClr>
-                </a:solidFill>
-                <a:effectLst>
-                  <a:glow rad="38100">
-                    <a:schemeClr val="accent1">
-                      <a:alpha val="40000"/>
-                    </a:schemeClr>
-                  </a:glow>
-                </a:effectLst>
-              </a:rPr>
-              <a:t>Estandarización y consistencia.</a:t>
-            </a:r>
-          </a:p>
-          <a:p>
-            <a:pPr algn="just"/>
-            <a:endParaRPr lang="es-EC" altLang="es-ES">
-              <a:ln w="9525" cmpd="sng">
-                <a:solidFill>
-                  <a:schemeClr val="accent1"/>
-                </a:solidFill>
-                <a:prstDash val="solid"/>
-              </a:ln>
-              <a:solidFill>
-                <a:srgbClr val="70AD47">
-                  <a:tint val="1000"/>
-                </a:srgbClr>
-              </a:solidFill>
-              <a:effectLst>
-                <a:glow rad="38100">
-                  <a:schemeClr val="accent1">
-                    <a:alpha val="40000"/>
-                  </a:schemeClr>
-                </a:glow>
-              </a:effectLst>
-            </a:endParaRPr>
-          </a:p>
-          <a:p>
-            <a:pPr algn="just"/>
-            <a:r>
-              <a:rPr lang="es-EC" altLang="es-ES">
-                <a:ln w="9525" cmpd="sng">
-                  <a:solidFill>
-                    <a:schemeClr val="accent1"/>
-                  </a:solidFill>
-                  <a:prstDash val="solid"/>
-                </a:ln>
-                <a:solidFill>
-                  <a:srgbClr val="70AD47">
-                    <a:tint val="1000"/>
-                  </a:srgbClr>
-                </a:solidFill>
-                <a:effectLst>
-                  <a:glow rad="38100">
-                    <a:schemeClr val="accent1">
-                      <a:alpha val="40000"/>
-                    </a:schemeClr>
-                  </a:glow>
-                </a:effectLst>
-              </a:rPr>
-              <a:t>Motor de base de datos objeto-relacional más usado a nivel mundial.</a:t>
-            </a:r>
-          </a:p>
-          <a:p>
-            <a:pPr algn="just"/>
-            <a:endParaRPr lang="es-EC" altLang="es-ES">
-              <a:ln w="9525" cmpd="sng">
-                <a:solidFill>
-                  <a:schemeClr val="accent1"/>
-                </a:solidFill>
-                <a:prstDash val="solid"/>
-              </a:ln>
-              <a:solidFill>
-                <a:srgbClr val="70AD47">
-                  <a:tint val="1000"/>
-                </a:srgbClr>
-              </a:solidFill>
-              <a:effectLst>
-                <a:glow rad="38100">
-                  <a:schemeClr val="accent1">
-                    <a:alpha val="40000"/>
-                  </a:schemeClr>
-                </a:glow>
-              </a:effectLst>
-            </a:endParaRPr>
-          </a:p>
-          <a:p>
-            <a:pPr algn="just"/>
-            <a:r>
-              <a:rPr lang="es-ES" altLang="en-US">
-                <a:ln w="9525" cmpd="sng">
-                  <a:solidFill>
-                    <a:schemeClr val="accent1"/>
-                  </a:solidFill>
-                  <a:prstDash val="solid"/>
-                </a:ln>
-                <a:solidFill>
-                  <a:srgbClr val="70AD47">
-                    <a:tint val="1000"/>
-                  </a:srgbClr>
-                </a:solidFill>
-                <a:effectLst>
-                  <a:glow rad="38100">
-                    <a:schemeClr val="accent1">
-                      <a:alpha val="40000"/>
-                    </a:schemeClr>
-                  </a:glow>
-                </a:effectLst>
-                <a:sym typeface="+mn-ea"/>
-              </a:rPr>
-              <a:t>Lenguaje de control de transacciones (TCL)</a:t>
-            </a:r>
-            <a:r>
-              <a:rPr lang="es-EC" altLang="es-ES">
-                <a:ln w="9525" cmpd="sng">
-                  <a:solidFill>
-                    <a:schemeClr val="accent1"/>
-                  </a:solidFill>
-                  <a:prstDash val="solid"/>
-                </a:ln>
-                <a:solidFill>
-                  <a:srgbClr val="70AD47">
-                    <a:tint val="1000"/>
-                  </a:srgbClr>
-                </a:solidFill>
-                <a:effectLst>
-                  <a:glow rad="38100">
-                    <a:schemeClr val="accent1">
-                      <a:alpha val="40000"/>
-                    </a:schemeClr>
-                  </a:glow>
-                </a:effectLst>
-                <a:sym typeface="+mn-ea"/>
-              </a:rPr>
-              <a:t>.</a:t>
-            </a:r>
-          </a:p>
-        </p:txBody>
-      </p:sp>
+      </p:pic>
     </p:spTree>
   </p:cSld>
   <p:clrMapOvr>
@@ -5453,7 +3838,7 @@
       </p:grpSpPr>
       <p:sp>
         <p:nvSpPr>
-          <p:cNvPr id="2" name="Título 1"/>
+          <p:cNvPr id="2" name="1 Título"/>
           <p:cNvSpPr>
             <a:spLocks noGrp="1"/>
           </p:cNvSpPr>
@@ -5463,305 +3848,63 @@
         </p:nvSpPr>
         <p:spPr/>
         <p:txBody>
-          <a:bodyPr>
-            <a:normAutofit/>
-          </a:bodyPr>
-          <a:lstStyle/>
-          <a:p>
-            <a:pPr algn="ctr"/>
-            <a:r>
-              <a:rPr lang="es-ES" altLang="en-US">
-                <a:ln w="9525" cmpd="sng">
-                  <a:solidFill>
-                    <a:schemeClr val="accent1"/>
-                  </a:solidFill>
-                  <a:prstDash val="solid"/>
-                </a:ln>
-                <a:solidFill>
-                  <a:srgbClr val="70AD47">
-                    <a:tint val="1000"/>
-                  </a:srgbClr>
-                </a:solidFill>
-                <a:effectLst>
-                  <a:glow rad="38100">
-                    <a:schemeClr val="accent1">
-                      <a:alpha val="40000"/>
-                    </a:schemeClr>
-                  </a:glow>
-                </a:effectLst>
-              </a:rPr>
-              <a:t>Lenguaje de control de transacciones (TCL)</a:t>
-            </a:r>
-            <a:endParaRPr lang="es-EC" altLang="es-ES">
-              <a:ln w="9525" cmpd="sng">
-                <a:solidFill>
-                  <a:schemeClr val="accent1"/>
-                </a:solidFill>
-                <a:prstDash val="solid"/>
-              </a:ln>
-              <a:solidFill>
-                <a:srgbClr val="70AD47">
-                  <a:tint val="1000"/>
-                </a:srgbClr>
-              </a:solidFill>
-              <a:effectLst>
-                <a:glow rad="38100">
-                  <a:schemeClr val="accent1">
-                    <a:alpha val="40000"/>
-                  </a:schemeClr>
-                </a:glow>
-              </a:effectLst>
-            </a:endParaRPr>
-          </a:p>
-        </p:txBody>
-      </p:sp>
-      <p:sp>
-        <p:nvSpPr>
-          <p:cNvPr id="3" name="Marcador de posición de contenido 2"/>
-          <p:cNvSpPr>
-            <a:spLocks noGrp="1"/>
-          </p:cNvSpPr>
-          <p:nvPr>
-            <p:ph sz="half" idx="1"/>
-          </p:nvPr>
-        </p:nvSpPr>
-        <p:spPr>
-          <a:xfrm>
-            <a:off x="6172200" y="1825625"/>
-            <a:ext cx="5181600" cy="4351338"/>
-          </a:xfrm>
-        </p:spPr>
-        <p:txBody>
-          <a:bodyPr/>
-          <a:lstStyle/>
-          <a:p>
-            <a:pPr algn="just"/>
-            <a:r>
-              <a:rPr lang="es-ES" altLang="en-US">
-                <a:ln w="9525" cmpd="sng">
-                  <a:solidFill>
-                    <a:schemeClr val="accent1"/>
-                  </a:solidFill>
-                  <a:prstDash val="solid"/>
-                </a:ln>
-                <a:solidFill>
-                  <a:srgbClr val="70AD47">
-                    <a:tint val="1000"/>
-                  </a:srgbClr>
-                </a:solidFill>
-                <a:effectLst>
-                  <a:glow rad="38100">
-                    <a:schemeClr val="accent1">
-                      <a:alpha val="40000"/>
-                    </a:schemeClr>
-                  </a:glow>
-                </a:effectLst>
-              </a:rPr>
-              <a:t>Las </a:t>
-            </a:r>
-            <a:r>
-              <a:rPr lang="es-EC" altLang="es-ES">
-                <a:ln w="9525" cmpd="sng">
-                  <a:solidFill>
-                    <a:schemeClr val="accent1"/>
-                  </a:solidFill>
-                  <a:prstDash val="solid"/>
-                </a:ln>
-                <a:solidFill>
-                  <a:srgbClr val="70AD47">
-                    <a:tint val="1000"/>
-                  </a:srgbClr>
-                </a:solidFill>
-                <a:effectLst>
-                  <a:glow rad="38100">
-                    <a:schemeClr val="accent1">
-                      <a:alpha val="40000"/>
-                    </a:schemeClr>
-                  </a:glow>
-                </a:effectLst>
-              </a:rPr>
-              <a:t>TCL</a:t>
-            </a:r>
-            <a:r>
-              <a:rPr lang="es-ES" altLang="en-US">
-                <a:ln w="9525" cmpd="sng">
-                  <a:solidFill>
-                    <a:schemeClr val="accent1"/>
-                  </a:solidFill>
-                  <a:prstDash val="solid"/>
-                </a:ln>
-                <a:solidFill>
-                  <a:srgbClr val="70AD47">
-                    <a:tint val="1000"/>
-                  </a:srgbClr>
-                </a:solidFill>
-                <a:effectLst>
-                  <a:glow rad="38100">
-                    <a:schemeClr val="accent1">
-                      <a:alpha val="40000"/>
-                    </a:schemeClr>
-                  </a:glow>
-                </a:effectLst>
-              </a:rPr>
-              <a:t> administran los cambios realizados por las declaraciones DML.</a:t>
-            </a:r>
-          </a:p>
-          <a:p>
-            <a:pPr algn="just"/>
-            <a:endParaRPr lang="es-EC" altLang="es-ES">
-              <a:ln w="9525" cmpd="sng">
-                <a:solidFill>
-                  <a:schemeClr val="accent1"/>
-                </a:solidFill>
-                <a:prstDash val="solid"/>
-              </a:ln>
-              <a:solidFill>
-                <a:srgbClr val="70AD47">
-                  <a:tint val="1000"/>
-                </a:srgbClr>
-              </a:solidFill>
-              <a:effectLst>
-                <a:glow rad="38100">
-                  <a:schemeClr val="accent1">
-                    <a:alpha val="40000"/>
-                  </a:schemeClr>
-                </a:glow>
-              </a:effectLst>
-            </a:endParaRPr>
-          </a:p>
-          <a:p>
-            <a:pPr lvl="1" algn="just"/>
-            <a:r>
-              <a:rPr lang="es-EC" altLang="es-ES">
-                <a:ln w="9525" cmpd="sng">
-                  <a:solidFill>
-                    <a:schemeClr val="accent1"/>
-                  </a:solidFill>
-                  <a:prstDash val="solid"/>
-                </a:ln>
-                <a:solidFill>
-                  <a:srgbClr val="70AD47">
-                    <a:tint val="1000"/>
-                  </a:srgbClr>
-                </a:solidFill>
-                <a:effectLst>
-                  <a:glow rad="38100">
-                    <a:schemeClr val="accent1">
-                      <a:alpha val="40000"/>
-                    </a:schemeClr>
-                  </a:glow>
-                </a:effectLst>
-              </a:rPr>
-              <a:t>COMMIT: Para </a:t>
-            </a:r>
-            <a:r>
-              <a:rPr lang="es-EC" altLang="es-ES">
-                <a:ln w="9525" cmpd="sng">
-                  <a:solidFill>
-                    <a:schemeClr val="accent1"/>
-                  </a:solidFill>
-                  <a:prstDash val="solid"/>
-                </a:ln>
-                <a:solidFill>
-                  <a:srgbClr val="70AD47">
-                    <a:tint val="1000"/>
-                  </a:srgbClr>
-                </a:solidFill>
-                <a:effectLst>
-                  <a:glow rad="38100">
-                    <a:schemeClr val="accent1">
-                      <a:alpha val="40000"/>
-                    </a:schemeClr>
-                  </a:glow>
-                </a:effectLst>
-                <a:sym typeface="+mn-ea"/>
-              </a:rPr>
-              <a:t>guardar los cambios realizados de manera permanente</a:t>
-            </a:r>
-            <a:r>
-              <a:rPr lang="es-EC" altLang="es-ES">
-                <a:ln w="9525" cmpd="sng">
-                  <a:solidFill>
-                    <a:schemeClr val="accent1"/>
-                  </a:solidFill>
-                  <a:prstDash val="solid"/>
-                </a:ln>
-                <a:solidFill>
-                  <a:srgbClr val="70AD47">
-                    <a:tint val="1000"/>
-                  </a:srgbClr>
-                </a:solidFill>
-                <a:effectLst>
-                  <a:glow rad="38100">
-                    <a:schemeClr val="accent1">
-                      <a:alpha val="40000"/>
-                    </a:schemeClr>
-                  </a:glow>
-                </a:effectLst>
-              </a:rPr>
-              <a:t>.</a:t>
-            </a:r>
-          </a:p>
-          <a:p>
-            <a:pPr lvl="1" algn="just"/>
-            <a:r>
-              <a:rPr lang="es-EC" altLang="es-ES">
-                <a:ln w="9525" cmpd="sng">
-                  <a:solidFill>
-                    <a:schemeClr val="accent1"/>
-                  </a:solidFill>
-                  <a:prstDash val="solid"/>
-                </a:ln>
-                <a:solidFill>
-                  <a:srgbClr val="70AD47">
-                    <a:tint val="1000"/>
-                  </a:srgbClr>
-                </a:solidFill>
-                <a:effectLst>
-                  <a:glow rad="38100">
-                    <a:schemeClr val="accent1">
-                      <a:alpha val="40000"/>
-                    </a:schemeClr>
-                  </a:glow>
-                </a:effectLst>
-              </a:rPr>
-              <a:t>ROLLBACK: Restaurar el estado de la base de datos al último COMMIT realizado.</a:t>
-            </a:r>
-          </a:p>
-          <a:p>
-            <a:pPr lvl="1"/>
-            <a:endParaRPr lang="es-EC" altLang="es-ES"/>
-          </a:p>
-          <a:p>
-            <a:pPr lvl="1"/>
-            <a:endParaRPr lang="es-EC" altLang="es-ES"/>
+          <a:bodyPr/>
+          <a:lstStyle/>
+          <a:p>
+            <a:endParaRPr lang="es-ES"/>
+          </a:p>
+        </p:txBody>
+      </p:sp>
+      <p:sp>
+        <p:nvSpPr>
+          <p:cNvPr id="3" name="2 Marcador de contenido"/>
+          <p:cNvSpPr>
+            <a:spLocks noGrp="1"/>
+          </p:cNvSpPr>
+          <p:nvPr>
+            <p:ph idx="1"/>
+          </p:nvPr>
+        </p:nvSpPr>
+        <p:spPr/>
+        <p:txBody>
+          <a:bodyPr/>
+          <a:lstStyle/>
+          <a:p>
+            <a:endParaRPr lang="es-ES"/>
           </a:p>
         </p:txBody>
       </p:sp>
       <p:pic>
         <p:nvPicPr>
-          <p:cNvPr id="4" name="Marcador de posición de contenido 3" descr="xtremio-database-storage-analytics"/>
+          <p:cNvPr id="6147" name="Picture 3"/>
           <p:cNvPicPr>
-            <a:picLocks noGrp="1" noChangeAspect="1"/>
+            <a:picLocks noChangeAspect="1" noChangeArrowheads="1"/>
           </p:cNvPicPr>
-          <p:nvPr>
-            <p:ph sz="half" idx="2"/>
-          </p:nvPr>
+          <p:nvPr/>
         </p:nvPicPr>
         <p:blipFill>
           <a:blip r:embed="rId2" cstate="print"/>
+          <a:srcRect t="5532" b="6250"/>
           <a:stretch>
             <a:fillRect/>
           </a:stretch>
         </p:blipFill>
-        <p:spPr>
+        <p:spPr bwMode="auto">
           <a:xfrm>
-            <a:off x="838200" y="2701925"/>
-            <a:ext cx="5181600" cy="2599690"/>
+            <a:off x="0" y="0"/>
+            <a:ext cx="12192000" cy="6741368"/>
           </a:xfrm>
           <a:prstGeom prst="rect">
             <a:avLst/>
           </a:prstGeom>
+          <a:noFill/>
+          <a:ln w="9525">
+            <a:noFill/>
+            <a:miter lim="800000"/>
+            <a:headEnd/>
+            <a:tailEnd/>
+          </a:ln>
+          <a:effectLst/>
         </p:spPr>
       </p:pic>
     </p:spTree>

--- a/documentacion/Presentación.pptx
+++ b/documentacion/Presentación.pptx
@@ -9,12 +9,11 @@
     <p:sldId id="256" r:id="rId3"/>
     <p:sldId id="268" r:id="rId4"/>
     <p:sldId id="260" r:id="rId5"/>
-    <p:sldId id="275" r:id="rId6"/>
-    <p:sldId id="276" r:id="rId7"/>
-    <p:sldId id="271" r:id="rId8"/>
-    <p:sldId id="272" r:id="rId9"/>
+    <p:sldId id="278" r:id="rId6"/>
+    <p:sldId id="279" r:id="rId7"/>
+    <p:sldId id="275" r:id="rId8"/>
+    <p:sldId id="276" r:id="rId9"/>
     <p:sldId id="273" r:id="rId10"/>
-    <p:sldId id="274" r:id="rId11"/>
   </p:sldIdLst>
   <p:sldSz cx="12192000" cy="6858000"/>
   <p:notesSz cx="6858000" cy="9144000"/>
@@ -113,6 +112,25 @@
       </a:defRPr>
     </a:lvl9pPr>
   </p:defaultTextStyle>
+  <p:extLst>
+    <p:ext uri="{EFAFB233-063F-42B5-8137-9DF3F51BA10A}">
+      <p15:sldGuideLst xmlns:p15="http://schemas.microsoft.com/office/powerpoint/2012/main">
+        <p15:guide id="1" orient="horz" pos="2160">
+          <p15:clr>
+            <a:srgbClr val="A4A3A4"/>
+          </p15:clr>
+        </p15:guide>
+        <p15:guide id="2" pos="3840">
+          <p15:clr>
+            <a:srgbClr val="A4A3A4"/>
+          </p15:clr>
+        </p15:guide>
+      </p15:sldGuideLst>
+    </p:ext>
+    <p:ext uri="{2D200454-40CA-4A62-9FC3-DE9A4176ACB9}">
+      <p15:notesGuideLst xmlns:p15="http://schemas.microsoft.com/office/powerpoint/2012/main"/>
+    </p:ext>
+  </p:extLst>
 </p:presentation>
 </file>
 
@@ -248,7 +266,7 @@
             <a:fld id="{5396D8F0-5C9D-428F-9F57-94D29B348843}" type="datetimeFigureOut">
               <a:rPr lang="es-ES" smtClean="0"/>
               <a:pPr/>
-              <a:t>06/02/2019</a:t>
+              <a:t>13/02/2019</a:t>
             </a:fld>
             <a:endParaRPr lang="es-ES"/>
           </a:p>
@@ -397,7 +415,7 @@
             <a:fld id="{5396D8F0-5C9D-428F-9F57-94D29B348843}" type="datetimeFigureOut">
               <a:rPr lang="es-ES" smtClean="0"/>
               <a:pPr/>
-              <a:t>06/02/2019</a:t>
+              <a:t>13/02/2019</a:t>
             </a:fld>
             <a:endParaRPr lang="es-ES"/>
           </a:p>
@@ -564,7 +582,7 @@
             <a:fld id="{5396D8F0-5C9D-428F-9F57-94D29B348843}" type="datetimeFigureOut">
               <a:rPr lang="es-ES" smtClean="0"/>
               <a:pPr/>
-              <a:t>06/02/2019</a:t>
+              <a:t>13/02/2019</a:t>
             </a:fld>
             <a:endParaRPr lang="es-ES"/>
           </a:p>
@@ -807,7 +825,7 @@
             <a:fld id="{5396D8F0-5C9D-428F-9F57-94D29B348843}" type="datetimeFigureOut">
               <a:rPr lang="es-ES" smtClean="0"/>
               <a:pPr/>
-              <a:t>06/02/2019</a:t>
+              <a:t>13/02/2019</a:t>
             </a:fld>
             <a:endParaRPr lang="es-ES"/>
           </a:p>
@@ -1036,7 +1054,7 @@
             <a:fld id="{5396D8F0-5C9D-428F-9F57-94D29B348843}" type="datetimeFigureOut">
               <a:rPr lang="es-ES" smtClean="0"/>
               <a:pPr/>
-              <a:t>06/02/2019</a:t>
+              <a:t>13/02/2019</a:t>
             </a:fld>
             <a:endParaRPr lang="es-ES"/>
           </a:p>
@@ -1400,7 +1418,7 @@
             <a:fld id="{5396D8F0-5C9D-428F-9F57-94D29B348843}" type="datetimeFigureOut">
               <a:rPr lang="es-ES" smtClean="0"/>
               <a:pPr/>
-              <a:t>06/02/2019</a:t>
+              <a:t>13/02/2019</a:t>
             </a:fld>
             <a:endParaRPr lang="es-ES"/>
           </a:p>
@@ -1515,7 +1533,7 @@
             <a:fld id="{5396D8F0-5C9D-428F-9F57-94D29B348843}" type="datetimeFigureOut">
               <a:rPr lang="es-ES" smtClean="0"/>
               <a:pPr/>
-              <a:t>06/02/2019</a:t>
+              <a:t>13/02/2019</a:t>
             </a:fld>
             <a:endParaRPr lang="es-ES"/>
           </a:p>
@@ -1607,7 +1625,7 @@
             <a:fld id="{5396D8F0-5C9D-428F-9F57-94D29B348843}" type="datetimeFigureOut">
               <a:rPr lang="es-ES" smtClean="0"/>
               <a:pPr/>
-              <a:t>06/02/2019</a:t>
+              <a:t>13/02/2019</a:t>
             </a:fld>
             <a:endParaRPr lang="es-ES"/>
           </a:p>
@@ -1857,7 +1875,7 @@
             <a:fld id="{5396D8F0-5C9D-428F-9F57-94D29B348843}" type="datetimeFigureOut">
               <a:rPr lang="es-ES" smtClean="0"/>
               <a:pPr/>
-              <a:t>06/02/2019</a:t>
+              <a:t>13/02/2019</a:t>
             </a:fld>
             <a:endParaRPr lang="es-ES"/>
           </a:p>
@@ -2034,7 +2052,7 @@
             <a:fld id="{5396D8F0-5C9D-428F-9F57-94D29B348843}" type="datetimeFigureOut">
               <a:rPr lang="es-ES" smtClean="0"/>
               <a:pPr/>
-              <a:t>06/02/2019</a:t>
+              <a:t>13/02/2019</a:t>
             </a:fld>
             <a:endParaRPr lang="es-ES"/>
           </a:p>
@@ -2250,7 +2268,7 @@
             <a:fld id="{5396D8F0-5C9D-428F-9F57-94D29B348843}" type="datetimeFigureOut">
               <a:rPr lang="es-ES" smtClean="0"/>
               <a:pPr/>
-              <a:t>06/02/2019</a:t>
+              <a:t>13/02/2019</a:t>
             </a:fld>
             <a:endParaRPr lang="es-ES"/>
           </a:p>
@@ -2655,95 +2673,13 @@
   <p:clrMapOvr>
     <a:masterClrMapping/>
   </p:clrMapOvr>
-</p:sld>
-</file>
-
-<file path=ppt/slides/slide10.xml><?xml version="1.0" encoding="utf-8"?>
-<p:sld xmlns:a="http://schemas.openxmlformats.org/drawingml/2006/main" xmlns:r="http://schemas.openxmlformats.org/officeDocument/2006/relationships" xmlns:p="http://schemas.openxmlformats.org/presentationml/2006/main">
-  <p:cSld>
-    <p:spTree>
-      <p:nvGrpSpPr>
-        <p:cNvPr id="1" name=""/>
-        <p:cNvGrpSpPr/>
-        <p:nvPr/>
-      </p:nvGrpSpPr>
-      <p:grpSpPr>
-        <a:xfrm>
-          <a:off x="0" y="0"/>
-          <a:ext cx="0" cy="0"/>
-          <a:chOff x="0" y="0"/>
-          <a:chExt cx="0" cy="0"/>
-        </a:xfrm>
-      </p:grpSpPr>
-      <p:sp>
-        <p:nvSpPr>
-          <p:cNvPr id="2" name="1 Título"/>
-          <p:cNvSpPr>
-            <a:spLocks noGrp="1"/>
-          </p:cNvSpPr>
-          <p:nvPr>
-            <p:ph type="title"/>
-          </p:nvPr>
-        </p:nvSpPr>
-        <p:spPr/>
-        <p:txBody>
-          <a:bodyPr/>
-          <a:lstStyle/>
-          <a:p>
-            <a:endParaRPr lang="es-ES"/>
-          </a:p>
-        </p:txBody>
-      </p:sp>
-      <p:sp>
-        <p:nvSpPr>
-          <p:cNvPr id="3" name="2 Marcador de contenido"/>
-          <p:cNvSpPr>
-            <a:spLocks noGrp="1"/>
-          </p:cNvSpPr>
-          <p:nvPr>
-            <p:ph idx="1"/>
-          </p:nvPr>
-        </p:nvSpPr>
-        <p:spPr/>
-        <p:txBody>
-          <a:bodyPr/>
-          <a:lstStyle/>
-          <a:p>
-            <a:endParaRPr lang="es-ES"/>
-          </a:p>
-        </p:txBody>
-      </p:sp>
-      <p:pic>
-        <p:nvPicPr>
-          <p:cNvPr id="7170" name="Picture 2" descr="C:\Users\Johao\Documents\proyectoSegundo\documentacion\reservalumen - DIAGRAMA.png"/>
-          <p:cNvPicPr>
-            <a:picLocks noChangeAspect="1" noChangeArrowheads="1"/>
-          </p:cNvPicPr>
-          <p:nvPr/>
-        </p:nvPicPr>
-        <p:blipFill>
-          <a:blip r:embed="rId2" cstate="print"/>
-          <a:srcRect/>
-          <a:stretch>
-            <a:fillRect/>
-          </a:stretch>
-        </p:blipFill>
-        <p:spPr bwMode="auto">
-          <a:xfrm>
-            <a:off x="0" y="0"/>
-            <a:ext cx="12192000" cy="6858000"/>
-          </a:xfrm>
-          <a:prstGeom prst="rect">
-            <a:avLst/>
-          </a:prstGeom>
-          <a:noFill/>
-        </p:spPr>
-      </p:pic>
-    </p:spTree>
-  </p:cSld>
-  <p:clrMapOvr>
-    <a:masterClrMapping/>
-  </p:clrMapOvr>
+  <p:timing>
+    <p:tnLst>
+      <p:par>
+        <p:cTn id="1" dur="indefinite" restart="never" nodeType="tmRoot"/>
+      </p:par>
+    </p:tnLst>
+  </p:timing>
 </p:sld>
 </file>
 
@@ -3052,6 +2988,13 @@
   <p:clrMapOvr>
     <a:masterClrMapping/>
   </p:clrMapOvr>
+  <p:timing>
+    <p:tnLst>
+      <p:par>
+        <p:cTn id="1" dur="indefinite" restart="never" nodeType="tmRoot"/>
+      </p:par>
+    </p:tnLst>
+  </p:timing>
 </p:sld>
 </file>
 
@@ -3148,7 +3091,7 @@
           <a:blip r:embed="rId3" cstate="print">
             <a:extLst>
               <a:ext uri="{28A0092B-C50C-407E-A947-70E740481C1C}">
-                <a14:useLocalDpi xmlns:ve="http://schemas.openxmlformats.org/markup-compatibility/2006" xmlns:m="http://schemas.openxmlformats.org/officeDocument/2006/math" xmlns:wp="http://schemas.openxmlformats.org/drawingml/2006/wordprocessingDrawing" xmlns:wne="http://schemas.microsoft.com/office/word/2006/wordml" xmlns:a14="http://schemas.microsoft.com/office/drawing/2010/main" xmlns:wps="http://schemas.microsoft.com/office/word/2010/wordprocessingShape" xmlns:wpi="http://schemas.microsoft.com/office/word/2010/wordprocessingInk" xmlns:wpg="http://schemas.microsoft.com/office/word/2010/wordprocessingGroup" xmlns:w16se="http://schemas.microsoft.com/office/word/2015/wordml/symex" xmlns:w15="http://schemas.microsoft.com/office/word/2012/wordml" xmlns:w14="http://schemas.microsoft.com/office/word/2010/wordml" xmlns:w="http://schemas.openxmlformats.org/wordprocessingml/2006/main" xmlns:w10="urn:schemas-microsoft-com:office:word" xmlns:wp14="http://schemas.microsoft.com/office/word/2010/wordprocessingDrawing" xmlns:v="urn:schemas-microsoft-com:vml" xmlns:o="urn:schemas-microsoft-com:office:office" xmlns:mc="http://schemas.openxmlformats.org/markup-compatibility/2006" xmlns:cx="http://schemas.microsoft.com/office/drawing/2014/chartex" xmlns:wpc="http://schemas.microsoft.com/office/word/2010/wordprocessingCanvas" xmlns="" xmlns:pic="http://schemas.openxmlformats.org/drawingml/2006/picture" xmlns:lc="http://schemas.openxmlformats.org/drawingml/2006/lockedCanvas" val="0"/>
+                <a14:useLocalDpi xmlns:a14="http://schemas.microsoft.com/office/drawing/2010/main" val="0"/>
               </a:ext>
             </a:extLst>
           </a:blip>
@@ -3169,7 +3112,7 @@
           </a:ln>
           <a:extLst>
             <a:ext uri="{53640926-AAD7-44D8-BBD7-CCE9431645EC}">
-              <a14:shadowObscured xmlns:ve="http://schemas.openxmlformats.org/markup-compatibility/2006" xmlns:m="http://schemas.openxmlformats.org/officeDocument/2006/math" xmlns:wp="http://schemas.openxmlformats.org/drawingml/2006/wordprocessingDrawing" xmlns:wne="http://schemas.microsoft.com/office/word/2006/wordml" xmlns:a14="http://schemas.microsoft.com/office/drawing/2010/main" xmlns:wps="http://schemas.microsoft.com/office/word/2010/wordprocessingShape" xmlns:wpi="http://schemas.microsoft.com/office/word/2010/wordprocessingInk" xmlns:wpg="http://schemas.microsoft.com/office/word/2010/wordprocessingGroup" xmlns:w16se="http://schemas.microsoft.com/office/word/2015/wordml/symex" xmlns:w15="http://schemas.microsoft.com/office/word/2012/wordml" xmlns:w14="http://schemas.microsoft.com/office/word/2010/wordml" xmlns:w="http://schemas.openxmlformats.org/wordprocessingml/2006/main" xmlns:w10="urn:schemas-microsoft-com:office:word" xmlns:wp14="http://schemas.microsoft.com/office/word/2010/wordprocessingDrawing" xmlns:v="urn:schemas-microsoft-com:vml" xmlns:o="urn:schemas-microsoft-com:office:office" xmlns:mc="http://schemas.openxmlformats.org/markup-compatibility/2006" xmlns:cx="http://schemas.microsoft.com/office/drawing/2014/chartex" xmlns:wpc="http://schemas.microsoft.com/office/word/2010/wordprocessingCanvas" xmlns="" xmlns:pic="http://schemas.openxmlformats.org/drawingml/2006/picture" xmlns:lc="http://schemas.openxmlformats.org/drawingml/2006/lockedCanvas"/>
+              <a14:shadowObscured xmlns:a14="http://schemas.microsoft.com/office/drawing/2010/main"/>
             </a:ext>
           </a:extLst>
         </p:spPr>
@@ -3184,7 +3127,7 @@
           <a:blip r:embed="rId4" cstate="print">
             <a:extLst>
               <a:ext uri="{28A0092B-C50C-407E-A947-70E740481C1C}">
-                <a14:useLocalDpi xmlns:ve="http://schemas.openxmlformats.org/markup-compatibility/2006" xmlns:m="http://schemas.openxmlformats.org/officeDocument/2006/math" xmlns:wp="http://schemas.openxmlformats.org/drawingml/2006/wordprocessingDrawing" xmlns:wne="http://schemas.microsoft.com/office/word/2006/wordml" xmlns:a14="http://schemas.microsoft.com/office/drawing/2010/main" xmlns:wps="http://schemas.microsoft.com/office/word/2010/wordprocessingShape" xmlns:wpi="http://schemas.microsoft.com/office/word/2010/wordprocessingInk" xmlns:wpg="http://schemas.microsoft.com/office/word/2010/wordprocessingGroup" xmlns:w16se="http://schemas.microsoft.com/office/word/2015/wordml/symex" xmlns:w15="http://schemas.microsoft.com/office/word/2012/wordml" xmlns:w14="http://schemas.microsoft.com/office/word/2010/wordml" xmlns:w="http://schemas.openxmlformats.org/wordprocessingml/2006/main" xmlns:w10="urn:schemas-microsoft-com:office:word" xmlns:wp14="http://schemas.microsoft.com/office/word/2010/wordprocessingDrawing" xmlns:v="urn:schemas-microsoft-com:vml" xmlns:o="urn:schemas-microsoft-com:office:office" xmlns:mc="http://schemas.openxmlformats.org/markup-compatibility/2006" xmlns:cx="http://schemas.microsoft.com/office/drawing/2014/chartex" xmlns:wpc="http://schemas.microsoft.com/office/word/2010/wordprocessingCanvas" xmlns="" xmlns:pic="http://schemas.openxmlformats.org/drawingml/2006/picture" xmlns:lc="http://schemas.openxmlformats.org/drawingml/2006/lockedCanvas" val="0"/>
+                <a14:useLocalDpi xmlns:a14="http://schemas.microsoft.com/office/drawing/2010/main" val="0"/>
               </a:ext>
             </a:extLst>
           </a:blip>
@@ -3217,7 +3160,7 @@
           <a:blip r:embed="rId5" cstate="print">
             <a:extLst>
               <a:ext uri="{28A0092B-C50C-407E-A947-70E740481C1C}">
-                <a14:useLocalDpi xmlns:ve="http://schemas.openxmlformats.org/markup-compatibility/2006" xmlns:m="http://schemas.openxmlformats.org/officeDocument/2006/math" xmlns:wp="http://schemas.openxmlformats.org/drawingml/2006/wordprocessingDrawing" xmlns:wne="http://schemas.microsoft.com/office/word/2006/wordml" xmlns:a14="http://schemas.microsoft.com/office/drawing/2010/main" xmlns:wps="http://schemas.microsoft.com/office/word/2010/wordprocessingShape" xmlns:wpi="http://schemas.microsoft.com/office/word/2010/wordprocessingInk" xmlns:wpg="http://schemas.microsoft.com/office/word/2010/wordprocessingGroup" xmlns:w16se="http://schemas.microsoft.com/office/word/2015/wordml/symex" xmlns:w15="http://schemas.microsoft.com/office/word/2012/wordml" xmlns:w14="http://schemas.microsoft.com/office/word/2010/wordml" xmlns:w="http://schemas.openxmlformats.org/wordprocessingml/2006/main" xmlns:w10="urn:schemas-microsoft-com:office:word" xmlns:wp14="http://schemas.microsoft.com/office/word/2010/wordprocessingDrawing" xmlns:v="urn:schemas-microsoft-com:vml" xmlns:o="urn:schemas-microsoft-com:office:office" xmlns:mc="http://schemas.openxmlformats.org/markup-compatibility/2006" xmlns:cx="http://schemas.microsoft.com/office/drawing/2014/chartex" xmlns:wpc="http://schemas.microsoft.com/office/word/2010/wordprocessingCanvas" xmlns="" xmlns:pic="http://schemas.openxmlformats.org/drawingml/2006/picture" xmlns:lc="http://schemas.openxmlformats.org/drawingml/2006/lockedCanvas" val="0"/>
+                <a14:useLocalDpi xmlns:a14="http://schemas.microsoft.com/office/drawing/2010/main" val="0"/>
               </a:ext>
             </a:extLst>
           </a:blip>
@@ -3250,7 +3193,7 @@
           <a:blip r:embed="rId6" cstate="print">
             <a:extLst>
               <a:ext uri="{28A0092B-C50C-407E-A947-70E740481C1C}">
-                <a14:useLocalDpi xmlns:ve="http://schemas.openxmlformats.org/markup-compatibility/2006" xmlns:m="http://schemas.openxmlformats.org/officeDocument/2006/math" xmlns:wp="http://schemas.openxmlformats.org/drawingml/2006/wordprocessingDrawing" xmlns:wne="http://schemas.microsoft.com/office/word/2006/wordml" xmlns:a14="http://schemas.microsoft.com/office/drawing/2010/main" xmlns:wps="http://schemas.microsoft.com/office/word/2010/wordprocessingShape" xmlns:wpi="http://schemas.microsoft.com/office/word/2010/wordprocessingInk" xmlns:wpg="http://schemas.microsoft.com/office/word/2010/wordprocessingGroup" xmlns:w16se="http://schemas.microsoft.com/office/word/2015/wordml/symex" xmlns:w15="http://schemas.microsoft.com/office/word/2012/wordml" xmlns:w14="http://schemas.microsoft.com/office/word/2010/wordml" xmlns:w="http://schemas.openxmlformats.org/wordprocessingml/2006/main" xmlns:w10="urn:schemas-microsoft-com:office:word" xmlns:wp14="http://schemas.microsoft.com/office/word/2010/wordprocessingDrawing" xmlns:v="urn:schemas-microsoft-com:vml" xmlns:o="urn:schemas-microsoft-com:office:office" xmlns:mc="http://schemas.openxmlformats.org/markup-compatibility/2006" xmlns:cx="http://schemas.microsoft.com/office/drawing/2014/chartex" xmlns:wpc="http://schemas.microsoft.com/office/word/2010/wordprocessingCanvas" xmlns="" xmlns:pic="http://schemas.openxmlformats.org/drawingml/2006/picture" xmlns:lc="http://schemas.openxmlformats.org/drawingml/2006/lockedCanvas" val="0"/>
+                <a14:useLocalDpi xmlns:a14="http://schemas.microsoft.com/office/drawing/2010/main" val="0"/>
               </a:ext>
             </a:extLst>
           </a:blip>
@@ -3261,7 +3204,7 @@
         </p:blipFill>
         <p:spPr bwMode="auto">
           <a:xfrm>
-            <a:off x="1728787" y="4302889"/>
+            <a:off x="945015" y="4237574"/>
             <a:ext cx="2085567" cy="2137100"/>
           </a:xfrm>
           <a:prstGeom prst="rect">
@@ -3290,7 +3233,7 @@
         </p:blipFill>
         <p:spPr bwMode="auto">
           <a:xfrm>
-            <a:off x="4832078" y="4260351"/>
+            <a:off x="3538856" y="4234226"/>
             <a:ext cx="2052048" cy="2127386"/>
           </a:xfrm>
           <a:prstGeom prst="rect">
@@ -3316,8 +3259,34 @@
         </p:blipFill>
         <p:spPr bwMode="auto">
           <a:xfrm>
-            <a:off x="8032476" y="4178710"/>
+            <a:off x="6125299" y="4204836"/>
             <a:ext cx="2038988" cy="2117588"/>
+          </a:xfrm>
+          <a:prstGeom prst="rect">
+            <a:avLst/>
+          </a:prstGeom>
+          <a:noFill/>
+        </p:spPr>
+      </p:pic>
+      <p:pic>
+        <p:nvPicPr>
+          <p:cNvPr id="8194" name="Picture 2" descr="Resultado de imagen para composer"/>
+          <p:cNvPicPr>
+            <a:picLocks noChangeAspect="1" noChangeArrowheads="1"/>
+          </p:cNvPicPr>
+          <p:nvPr/>
+        </p:nvPicPr>
+        <p:blipFill>
+          <a:blip r:embed="rId9" cstate="print"/>
+          <a:srcRect/>
+          <a:stretch>
+            <a:fillRect/>
+          </a:stretch>
+        </p:blipFill>
+        <p:spPr bwMode="auto">
+          <a:xfrm>
+            <a:off x="8855438" y="3981541"/>
+            <a:ext cx="2162285" cy="2419259"/>
           </a:xfrm>
           <a:prstGeom prst="rect">
             <a:avLst/>
@@ -3330,6 +3299,13 @@
   <p:clrMapOvr>
     <a:masterClrMapping/>
   </p:clrMapOvr>
+  <p:timing>
+    <p:tnLst>
+      <p:par>
+        <p:cTn id="1" dur="indefinite" restart="never" nodeType="tmRoot"/>
+      </p:par>
+    </p:tnLst>
+  </p:timing>
 </p:sld>
 </file>
 
@@ -3457,53 +3433,7 @@
                   </a:glow>
                 </a:effectLst>
               </a:rPr>
-              <a:t>Administrar la </a:t>
-            </a:r>
-            <a:r>
-              <a:rPr lang="es-ES" altLang="en-US" sz="3200" dirty="0" smtClean="0">
-                <a:ln w="9525" cmpd="sng">
-                  <a:solidFill>
-                    <a:schemeClr val="accent1"/>
-                  </a:solidFill>
-                  <a:prstDash val="solid"/>
-                </a:ln>
-                <a:solidFill>
-                  <a:srgbClr val="70AD47">
-                    <a:tint val="1000"/>
-                  </a:srgbClr>
-                </a:solidFill>
-                <a:effectLst>
-                  <a:glow rad="38100">
-                    <a:schemeClr val="accent1">
-                      <a:alpha val="40000"/>
-                    </a:schemeClr>
-                  </a:glow>
-                </a:effectLst>
-              </a:rPr>
-              <a:t>reservación </a:t>
-            </a:r>
-            <a:r>
-              <a:rPr lang="es-ES" altLang="en-US" sz="3200" dirty="0" smtClean="0">
-                <a:ln w="9525" cmpd="sng">
-                  <a:solidFill>
-                    <a:schemeClr val="accent1"/>
-                  </a:solidFill>
-                  <a:prstDash val="solid"/>
-                </a:ln>
-                <a:solidFill>
-                  <a:srgbClr val="70AD47">
-                    <a:tint val="1000"/>
-                  </a:srgbClr>
-                </a:solidFill>
-                <a:effectLst>
-                  <a:glow rad="38100">
-                    <a:schemeClr val="accent1">
-                      <a:alpha val="40000"/>
-                    </a:schemeClr>
-                  </a:glow>
-                </a:effectLst>
-              </a:rPr>
-              <a:t>de mesas en un restaurante, implementando una pagina web en la cual los usuarios podrán consultar, reservar e informarse sobre la disponibilidad de las mesas para evitar la confusión o equivocación de los usuarios.</a:t>
+              <a:t>Administrar la reservación de mesas en un restaurante, implementando una pagina web en la cual los usuarios podrán consultar, reservar e informarse sobre la disponibilidad de las mesas para evitar la confusión o equivocación de los usuarios.</a:t>
             </a:r>
             <a:endParaRPr lang="es-EC" altLang="es-ES" sz="3200" dirty="0"/>
           </a:p>
@@ -3511,24 +3441,21 @@
       </p:sp>
       <p:pic>
         <p:nvPicPr>
-          <p:cNvPr id="4" name="Marcador de posición de contenido 3" descr="browser_based_apps_512"/>
-          <p:cNvPicPr>
-            <a:picLocks noGrp="1" noChangeAspect="1"/>
-          </p:cNvPicPr>
-          <p:nvPr>
-            <p:ph sz="half" idx="2"/>
-          </p:nvPr>
+          <p:cNvPr id="6" name="23 Imagen" descr="WhatsApp Image 2019-01-30 at 17.58.13.jpeg"/>
+          <p:cNvPicPr/>
+          <p:nvPr/>
         </p:nvPicPr>
         <p:blipFill>
           <a:blip r:embed="rId2" cstate="print"/>
+          <a:srcRect r="1197" b="14747"/>
           <a:stretch>
             <a:fillRect/>
           </a:stretch>
         </p:blipFill>
         <p:spPr>
           <a:xfrm>
-            <a:off x="99695" y="1405890"/>
-            <a:ext cx="5248275" cy="5172710"/>
+            <a:off x="336097" y="1781720"/>
+            <a:ext cx="4902109" cy="3234418"/>
           </a:xfrm>
           <a:prstGeom prst="rect">
             <a:avLst/>
@@ -3540,6 +3467,13 @@
   <p:clrMapOvr>
     <a:masterClrMapping/>
   </p:clrMapOvr>
+  <p:timing>
+    <p:tnLst>
+      <p:par>
+        <p:cTn id="1" dur="indefinite" restart="never" nodeType="tmRoot"/>
+      </p:par>
+    </p:tnLst>
+  </p:timing>
 </p:sld>
 </file>
 
@@ -3560,28 +3494,182 @@
           <a:chExt cx="0" cy="0"/>
         </a:xfrm>
       </p:grpSpPr>
+      <p:sp>
+        <p:nvSpPr>
+          <p:cNvPr id="2" name="Título 1"/>
+          <p:cNvSpPr>
+            <a:spLocks noGrp="1"/>
+          </p:cNvSpPr>
+          <p:nvPr>
+            <p:ph type="title"/>
+          </p:nvPr>
+        </p:nvSpPr>
+        <p:spPr/>
+        <p:txBody>
+          <a:bodyPr/>
+          <a:lstStyle/>
+          <a:p>
+            <a:pPr algn="ctr"/>
+            <a:r>
+              <a:rPr lang="es-EC" altLang="es-ES" dirty="0" smtClean="0">
+                <a:ln w="9525" cmpd="sng">
+                  <a:solidFill>
+                    <a:schemeClr val="accent1"/>
+                  </a:solidFill>
+                  <a:prstDash val="solid"/>
+                </a:ln>
+                <a:solidFill>
+                  <a:srgbClr val="70AD47">
+                    <a:tint val="1000"/>
+                  </a:srgbClr>
+                </a:solidFill>
+                <a:effectLst>
+                  <a:glow rad="38100">
+                    <a:schemeClr val="accent1">
+                      <a:alpha val="40000"/>
+                    </a:schemeClr>
+                  </a:glow>
+                </a:effectLst>
+              </a:rPr>
+              <a:t>Objetivos Específicos.</a:t>
+            </a:r>
+            <a:endParaRPr lang="es-EC" altLang="es-ES" dirty="0">
+              <a:ln w="9525" cmpd="sng">
+                <a:solidFill>
+                  <a:schemeClr val="accent1"/>
+                </a:solidFill>
+                <a:prstDash val="solid"/>
+              </a:ln>
+              <a:solidFill>
+                <a:srgbClr val="70AD47">
+                  <a:tint val="1000"/>
+                </a:srgbClr>
+              </a:solidFill>
+              <a:effectLst>
+                <a:glow rad="38100">
+                  <a:schemeClr val="accent1">
+                    <a:alpha val="40000"/>
+                  </a:schemeClr>
+                </a:glow>
+              </a:effectLst>
+            </a:endParaRPr>
+          </a:p>
+        </p:txBody>
+      </p:sp>
+      <p:sp>
+        <p:nvSpPr>
+          <p:cNvPr id="3" name="Marcador de posición de contenido 2"/>
+          <p:cNvSpPr>
+            <a:spLocks noGrp="1"/>
+          </p:cNvSpPr>
+          <p:nvPr>
+            <p:ph sz="half" idx="1"/>
+          </p:nvPr>
+        </p:nvSpPr>
+        <p:spPr/>
+        <p:txBody>
+          <a:bodyPr>
+            <a:normAutofit/>
+          </a:bodyPr>
+          <a:lstStyle/>
+          <a:p>
+            <a:pPr algn="just"/>
+            <a:r>
+              <a:rPr lang="es-ES" altLang="es-ES" dirty="0" smtClean="0">
+                <a:ln w="9525" cmpd="sng">
+                  <a:solidFill>
+                    <a:schemeClr val="accent1"/>
+                  </a:solidFill>
+                  <a:prstDash val="solid"/>
+                </a:ln>
+                <a:solidFill>
+                  <a:srgbClr val="70AD47">
+                    <a:tint val="1000"/>
+                  </a:srgbClr>
+                </a:solidFill>
+                <a:effectLst>
+                  <a:glow rad="38100">
+                    <a:schemeClr val="accent1">
+                      <a:alpha val="40000"/>
+                    </a:schemeClr>
+                  </a:glow>
+                </a:effectLst>
+              </a:rPr>
+              <a:t>Diseñar un sistema de reservación, que permita consultar e informarse sobre los servicios que ofrece el restaurante.</a:t>
+            </a:r>
+          </a:p>
+          <a:p>
+            <a:pPr algn="just"/>
+            <a:r>
+              <a:rPr lang="es-ES" altLang="es-ES" dirty="0" smtClean="0">
+                <a:ln w="9525" cmpd="sng">
+                  <a:solidFill>
+                    <a:schemeClr val="accent1"/>
+                  </a:solidFill>
+                  <a:prstDash val="solid"/>
+                </a:ln>
+                <a:solidFill>
+                  <a:srgbClr val="70AD47">
+                    <a:tint val="1000"/>
+                  </a:srgbClr>
+                </a:solidFill>
+                <a:effectLst>
+                  <a:glow rad="38100">
+                    <a:schemeClr val="accent1">
+                      <a:alpha val="40000"/>
+                    </a:schemeClr>
+                  </a:glow>
+                </a:effectLst>
+              </a:rPr>
+              <a:t>Desarrollar un  software que permita implementar una página web que sea fácil de usar y sea amigable con el usuario.</a:t>
+            </a:r>
+            <a:endParaRPr lang="es-EC" altLang="es-ES" dirty="0">
+              <a:ln w="9525" cmpd="sng">
+                <a:solidFill>
+                  <a:schemeClr val="accent1"/>
+                </a:solidFill>
+                <a:prstDash val="solid"/>
+              </a:ln>
+              <a:solidFill>
+                <a:srgbClr val="70AD47">
+                  <a:tint val="1000"/>
+                </a:srgbClr>
+              </a:solidFill>
+              <a:effectLst>
+                <a:glow rad="38100">
+                  <a:schemeClr val="accent1">
+                    <a:alpha val="40000"/>
+                  </a:schemeClr>
+                </a:glow>
+              </a:effectLst>
+            </a:endParaRPr>
+          </a:p>
+        </p:txBody>
+      </p:sp>
       <p:pic>
         <p:nvPicPr>
-          <p:cNvPr id="2" name="1 Imagen" descr="WhatsApp Image 2019-02-05 at 19.50.36.jpeg"/>
+          <p:cNvPr id="23554" name="Picture 2" descr="Resultado de imagen para sistema de reservacion de mesas"/>
           <p:cNvPicPr>
-            <a:picLocks noChangeAspect="1"/>
+            <a:picLocks noChangeAspect="1" noChangeArrowheads="1"/>
           </p:cNvPicPr>
           <p:nvPr/>
         </p:nvPicPr>
         <p:blipFill>
           <a:blip r:embed="rId2" cstate="print"/>
+          <a:srcRect/>
           <a:stretch>
             <a:fillRect/>
           </a:stretch>
         </p:blipFill>
-        <p:spPr>
+        <p:spPr bwMode="auto">
           <a:xfrm>
-            <a:off x="0" y="4762"/>
-            <a:ext cx="12192000" cy="6848475"/>
+            <a:off x="6791506" y="1868941"/>
+            <a:ext cx="4843832" cy="3552145"/>
           </a:xfrm>
           <a:prstGeom prst="rect">
             <a:avLst/>
           </a:prstGeom>
+          <a:noFill/>
         </p:spPr>
       </p:pic>
     </p:spTree>
@@ -3589,6 +3677,13 @@
   <p:clrMapOvr>
     <a:masterClrMapping/>
   </p:clrMapOvr>
+  <p:timing>
+    <p:tnLst>
+      <p:par>
+        <p:cTn id="1" dur="indefinite" restart="never" nodeType="tmRoot"/>
+      </p:par>
+    </p:tnLst>
+  </p:timing>
 </p:sld>
 </file>
 
@@ -3609,28 +3704,330 @@
           <a:chExt cx="0" cy="0"/>
         </a:xfrm>
       </p:grpSpPr>
+      <p:sp>
+        <p:nvSpPr>
+          <p:cNvPr id="2" name="Título 1"/>
+          <p:cNvSpPr>
+            <a:spLocks noGrp="1"/>
+          </p:cNvSpPr>
+          <p:nvPr>
+            <p:ph type="title"/>
+          </p:nvPr>
+        </p:nvSpPr>
+        <p:spPr/>
+        <p:txBody>
+          <a:bodyPr/>
+          <a:lstStyle/>
+          <a:p>
+            <a:pPr algn="ctr"/>
+            <a:r>
+              <a:rPr lang="es-EC" altLang="es-ES" dirty="0" smtClean="0">
+                <a:ln w="9525" cmpd="sng">
+                  <a:solidFill>
+                    <a:schemeClr val="accent1"/>
+                  </a:solidFill>
+                  <a:prstDash val="solid"/>
+                </a:ln>
+                <a:solidFill>
+                  <a:srgbClr val="70AD47">
+                    <a:tint val="1000"/>
+                  </a:srgbClr>
+                </a:solidFill>
+                <a:effectLst>
+                  <a:glow rad="38100">
+                    <a:schemeClr val="accent1">
+                      <a:alpha val="40000"/>
+                    </a:schemeClr>
+                  </a:glow>
+                </a:effectLst>
+              </a:rPr>
+              <a:t>Resumen.</a:t>
+            </a:r>
+            <a:endParaRPr lang="es-EC" altLang="es-ES" dirty="0">
+              <a:ln w="9525" cmpd="sng">
+                <a:solidFill>
+                  <a:schemeClr val="accent1"/>
+                </a:solidFill>
+                <a:prstDash val="solid"/>
+              </a:ln>
+              <a:solidFill>
+                <a:srgbClr val="70AD47">
+                  <a:tint val="1000"/>
+                </a:srgbClr>
+              </a:solidFill>
+              <a:effectLst>
+                <a:glow rad="38100">
+                  <a:schemeClr val="accent1">
+                    <a:alpha val="40000"/>
+                  </a:schemeClr>
+                </a:glow>
+              </a:effectLst>
+            </a:endParaRPr>
+          </a:p>
+        </p:txBody>
+      </p:sp>
+      <p:sp>
+        <p:nvSpPr>
+          <p:cNvPr id="3" name="Marcador de posición de contenido 2"/>
+          <p:cNvSpPr>
+            <a:spLocks noGrp="1"/>
+          </p:cNvSpPr>
+          <p:nvPr>
+            <p:ph sz="half" idx="1"/>
+          </p:nvPr>
+        </p:nvSpPr>
+        <p:spPr>
+          <a:xfrm>
+            <a:off x="5387975" y="1825625"/>
+            <a:ext cx="5584825" cy="3853280"/>
+          </a:xfrm>
+        </p:spPr>
+        <p:txBody>
+          <a:bodyPr>
+            <a:noAutofit/>
+          </a:bodyPr>
+          <a:lstStyle/>
+          <a:p>
+            <a:pPr algn="just"/>
+            <a:r>
+              <a:rPr lang="es-EC" altLang="es-ES" dirty="0" smtClean="0">
+                <a:ln w="9525" cmpd="sng">
+                  <a:solidFill>
+                    <a:schemeClr val="accent1"/>
+                  </a:solidFill>
+                  <a:prstDash val="solid"/>
+                </a:ln>
+                <a:solidFill>
+                  <a:srgbClr val="70AD47">
+                    <a:tint val="1000"/>
+                  </a:srgbClr>
+                </a:solidFill>
+                <a:effectLst>
+                  <a:glow rad="38100">
+                    <a:schemeClr val="accent1">
+                      <a:alpha val="40000"/>
+                    </a:schemeClr>
+                  </a:glow>
+                </a:effectLst>
+                <a:sym typeface="+mn-ea"/>
+              </a:rPr>
+              <a:t>Mejor organización </a:t>
+            </a:r>
+            <a:endParaRPr lang="es-EC" altLang="es-ES" dirty="0">
+              <a:ln w="9525" cmpd="sng">
+                <a:solidFill>
+                  <a:schemeClr val="accent1"/>
+                </a:solidFill>
+                <a:prstDash val="solid"/>
+              </a:ln>
+              <a:solidFill>
+                <a:srgbClr val="70AD47">
+                  <a:tint val="1000"/>
+                </a:srgbClr>
+              </a:solidFill>
+              <a:effectLst>
+                <a:glow rad="38100">
+                  <a:schemeClr val="accent1">
+                    <a:alpha val="40000"/>
+                  </a:schemeClr>
+                </a:glow>
+              </a:effectLst>
+            </a:endParaRPr>
+          </a:p>
+          <a:p>
+            <a:pPr algn="just">
+              <a:buNone/>
+            </a:pPr>
+            <a:endParaRPr lang="es-EC" altLang="es-ES" dirty="0">
+              <a:ln w="9525" cmpd="sng">
+                <a:solidFill>
+                  <a:schemeClr val="accent1"/>
+                </a:solidFill>
+                <a:prstDash val="solid"/>
+              </a:ln>
+              <a:solidFill>
+                <a:srgbClr val="70AD47">
+                  <a:tint val="1000"/>
+                </a:srgbClr>
+              </a:solidFill>
+              <a:effectLst>
+                <a:glow rad="38100">
+                  <a:schemeClr val="accent1">
+                    <a:alpha val="40000"/>
+                  </a:schemeClr>
+                </a:glow>
+              </a:effectLst>
+            </a:endParaRPr>
+          </a:p>
+          <a:p>
+            <a:pPr algn="just"/>
+            <a:r>
+              <a:rPr lang="es-EC" altLang="es-ES" dirty="0" smtClean="0">
+                <a:ln w="9525" cmpd="sng">
+                  <a:solidFill>
+                    <a:schemeClr val="accent1"/>
+                  </a:solidFill>
+                  <a:prstDash val="solid"/>
+                </a:ln>
+                <a:solidFill>
+                  <a:srgbClr val="70AD47">
+                    <a:tint val="1000"/>
+                  </a:srgbClr>
+                </a:solidFill>
+                <a:effectLst>
+                  <a:glow rad="38100">
+                    <a:schemeClr val="accent1">
+                      <a:alpha val="40000"/>
+                    </a:schemeClr>
+                  </a:glow>
+                </a:effectLst>
+                <a:sym typeface="+mn-ea"/>
+              </a:rPr>
+              <a:t>Interfaz amigable con el usuario</a:t>
+            </a:r>
+            <a:endParaRPr lang="es-EC" altLang="es-ES" dirty="0">
+              <a:ln w="9525" cmpd="sng">
+                <a:solidFill>
+                  <a:schemeClr val="accent1"/>
+                </a:solidFill>
+                <a:prstDash val="solid"/>
+              </a:ln>
+              <a:solidFill>
+                <a:srgbClr val="70AD47">
+                  <a:tint val="1000"/>
+                </a:srgbClr>
+              </a:solidFill>
+              <a:effectLst>
+                <a:glow rad="38100">
+                  <a:schemeClr val="accent1">
+                    <a:alpha val="40000"/>
+                  </a:schemeClr>
+                </a:glow>
+              </a:effectLst>
+            </a:endParaRPr>
+          </a:p>
+          <a:p>
+            <a:pPr algn="just">
+              <a:buNone/>
+            </a:pPr>
+            <a:endParaRPr lang="es-EC" altLang="es-ES" dirty="0">
+              <a:ln w="9525" cmpd="sng">
+                <a:solidFill>
+                  <a:schemeClr val="accent1"/>
+                </a:solidFill>
+                <a:prstDash val="solid"/>
+              </a:ln>
+              <a:solidFill>
+                <a:srgbClr val="70AD47">
+                  <a:tint val="1000"/>
+                </a:srgbClr>
+              </a:solidFill>
+              <a:effectLst>
+                <a:glow rad="38100">
+                  <a:schemeClr val="accent1">
+                    <a:alpha val="40000"/>
+                  </a:schemeClr>
+                </a:glow>
+              </a:effectLst>
+            </a:endParaRPr>
+          </a:p>
+          <a:p>
+            <a:pPr algn="just"/>
+            <a:r>
+              <a:rPr lang="es-EC" altLang="es-ES" dirty="0" smtClean="0">
+                <a:ln w="9525" cmpd="sng">
+                  <a:solidFill>
+                    <a:schemeClr val="accent1"/>
+                  </a:solidFill>
+                  <a:prstDash val="solid"/>
+                </a:ln>
+                <a:solidFill>
+                  <a:srgbClr val="70AD47">
+                    <a:tint val="1000"/>
+                  </a:srgbClr>
+                </a:solidFill>
+                <a:effectLst>
+                  <a:glow rad="38100">
+                    <a:schemeClr val="accent1">
+                      <a:alpha val="40000"/>
+                    </a:schemeClr>
+                  </a:glow>
+                </a:effectLst>
+              </a:rPr>
+              <a:t>Elección de reservación a su preferencia.</a:t>
+            </a:r>
+            <a:endParaRPr lang="es-EC" altLang="es-ES" dirty="0">
+              <a:ln w="9525" cmpd="sng">
+                <a:solidFill>
+                  <a:schemeClr val="accent1"/>
+                </a:solidFill>
+                <a:prstDash val="solid"/>
+              </a:ln>
+              <a:solidFill>
+                <a:srgbClr val="70AD47">
+                  <a:tint val="1000"/>
+                </a:srgbClr>
+              </a:solidFill>
+              <a:effectLst>
+                <a:glow rad="38100">
+                  <a:schemeClr val="accent1">
+                    <a:alpha val="40000"/>
+                  </a:schemeClr>
+                </a:glow>
+              </a:effectLst>
+            </a:endParaRPr>
+          </a:p>
+          <a:p>
+            <a:pPr algn="just">
+              <a:buNone/>
+            </a:pPr>
+            <a:endParaRPr lang="es-EC" altLang="es-ES" dirty="0">
+              <a:ln w="9525" cmpd="sng">
+                <a:solidFill>
+                  <a:schemeClr val="accent1"/>
+                </a:solidFill>
+                <a:prstDash val="solid"/>
+              </a:ln>
+              <a:solidFill>
+                <a:srgbClr val="70AD47">
+                  <a:tint val="1000"/>
+                </a:srgbClr>
+              </a:solidFill>
+              <a:effectLst>
+                <a:glow rad="38100">
+                  <a:schemeClr val="accent1">
+                    <a:alpha val="40000"/>
+                  </a:schemeClr>
+                </a:glow>
+              </a:effectLst>
+            </a:endParaRPr>
+          </a:p>
+        </p:txBody>
+      </p:sp>
       <p:pic>
         <p:nvPicPr>
-          <p:cNvPr id="2" name="1 Imagen" descr="WhatsApp Image 2019-02-05 at 19.51.07.jpeg"/>
+          <p:cNvPr id="22530" name="Picture 2" descr="Resultado de imagen para sistema de reservacion de mesas"/>
           <p:cNvPicPr>
-            <a:picLocks noChangeAspect="1"/>
+            <a:picLocks noChangeAspect="1" noChangeArrowheads="1"/>
           </p:cNvPicPr>
           <p:nvPr/>
         </p:nvPicPr>
         <p:blipFill>
           <a:blip r:embed="rId2" cstate="print"/>
+          <a:srcRect/>
           <a:stretch>
             <a:fillRect/>
           </a:stretch>
         </p:blipFill>
-        <p:spPr>
+        <p:spPr bwMode="auto">
           <a:xfrm>
-            <a:off x="0" y="4762"/>
-            <a:ext cx="12192000" cy="6848475"/>
+            <a:off x="300446" y="1677805"/>
+            <a:ext cx="4818579" cy="3416709"/>
           </a:xfrm>
           <a:prstGeom prst="rect">
             <a:avLst/>
           </a:prstGeom>
+          <a:noFill/>
         </p:spPr>
       </p:pic>
     </p:spTree>
@@ -3638,6 +4035,13 @@
   <p:clrMapOvr>
     <a:masterClrMapping/>
   </p:clrMapOvr>
+  <p:timing>
+    <p:tnLst>
+      <p:par>
+        <p:cTn id="1" dur="indefinite" restart="never" nodeType="tmRoot"/>
+      </p:par>
+    </p:tnLst>
+  </p:timing>
 </p:sld>
 </file>
 
@@ -3658,68 +4062,28 @@
           <a:chExt cx="0" cy="0"/>
         </a:xfrm>
       </p:grpSpPr>
-      <p:sp>
-        <p:nvSpPr>
-          <p:cNvPr id="2" name="1 Título"/>
-          <p:cNvSpPr>
-            <a:spLocks noGrp="1"/>
-          </p:cNvSpPr>
-          <p:nvPr>
-            <p:ph type="ctrTitle"/>
-          </p:nvPr>
-        </p:nvSpPr>
-        <p:spPr/>
-        <p:txBody>
-          <a:bodyPr/>
-          <a:lstStyle/>
-          <a:p>
-            <a:endParaRPr lang="es-ES"/>
-          </a:p>
-        </p:txBody>
-      </p:sp>
-      <p:sp>
-        <p:nvSpPr>
-          <p:cNvPr id="3" name="2 Subtítulo"/>
-          <p:cNvSpPr>
-            <a:spLocks noGrp="1"/>
-          </p:cNvSpPr>
-          <p:nvPr>
-            <p:ph type="subTitle" idx="1"/>
-          </p:nvPr>
-        </p:nvSpPr>
-        <p:spPr/>
-        <p:txBody>
-          <a:bodyPr/>
-          <a:lstStyle/>
-          <a:p>
-            <a:endParaRPr lang="es-ES"/>
-          </a:p>
-        </p:txBody>
-      </p:sp>
       <p:pic>
         <p:nvPicPr>
-          <p:cNvPr id="1026" name="Picture 2" descr="Resultado de imagen para angular lumen conexion"/>
+          <p:cNvPr id="4" name="Imagen 3"/>
           <p:cNvPicPr>
-            <a:picLocks noChangeAspect="1" noChangeArrowheads="1"/>
+            <a:picLocks noChangeAspect="1"/>
           </p:cNvPicPr>
           <p:nvPr/>
         </p:nvPicPr>
         <p:blipFill>
-          <a:blip r:embed="rId2" cstate="print"/>
-          <a:srcRect/>
+          <a:blip r:embed="rId2"/>
           <a:stretch>
             <a:fillRect/>
           </a:stretch>
         </p:blipFill>
-        <p:spPr bwMode="auto">
+        <p:spPr>
           <a:xfrm>
             <a:off x="0" y="0"/>
-            <a:ext cx="12230832" cy="6858000"/>
+            <a:ext cx="12192000" cy="6858000"/>
           </a:xfrm>
           <a:prstGeom prst="rect">
             <a:avLst/>
           </a:prstGeom>
-          <a:noFill/>
         </p:spPr>
       </p:pic>
     </p:spTree>
@@ -3727,6 +4091,13 @@
   <p:clrMapOvr>
     <a:masterClrMapping/>
   </p:clrMapOvr>
+  <p:timing>
+    <p:tnLst>
+      <p:par>
+        <p:cTn id="1" dur="indefinite" restart="never" nodeType="tmRoot"/>
+      </p:par>
+    </p:tnLst>
+  </p:timing>
 </p:sld>
 </file>
 
@@ -3747,60 +4118,21 @@
           <a:chExt cx="0" cy="0"/>
         </a:xfrm>
       </p:grpSpPr>
-      <p:sp>
-        <p:nvSpPr>
-          <p:cNvPr id="2" name="1 Título"/>
-          <p:cNvSpPr>
-            <a:spLocks noGrp="1"/>
-          </p:cNvSpPr>
-          <p:nvPr>
-            <p:ph type="title"/>
-          </p:nvPr>
-        </p:nvSpPr>
-        <p:spPr/>
-        <p:txBody>
-          <a:bodyPr/>
-          <a:lstStyle/>
-          <a:p>
-            <a:endParaRPr lang="es-ES"/>
-          </a:p>
-        </p:txBody>
-      </p:sp>
-      <p:sp>
-        <p:nvSpPr>
-          <p:cNvPr id="3" name="2 Marcador de contenido"/>
-          <p:cNvSpPr>
-            <a:spLocks noGrp="1"/>
-          </p:cNvSpPr>
-          <p:nvPr>
-            <p:ph idx="1"/>
-          </p:nvPr>
-        </p:nvSpPr>
-        <p:spPr/>
-        <p:txBody>
-          <a:bodyPr/>
-          <a:lstStyle/>
-          <a:p>
-            <a:endParaRPr lang="es-ES"/>
-          </a:p>
-        </p:txBody>
-      </p:sp>
       <p:pic>
         <p:nvPicPr>
-          <p:cNvPr id="4098" name="Picture 2" descr="Scroll Infinito con Angular 6 y Firestore"/>
+          <p:cNvPr id="3" name="Imagen 2"/>
           <p:cNvPicPr>
-            <a:picLocks noChangeAspect="1" noChangeArrowheads="1"/>
+            <a:picLocks noChangeAspect="1"/>
           </p:cNvPicPr>
           <p:nvPr/>
         </p:nvPicPr>
         <p:blipFill>
-          <a:blip r:embed="rId2" cstate="print"/>
-          <a:srcRect/>
+          <a:blip r:embed="rId2"/>
           <a:stretch>
             <a:fillRect/>
           </a:stretch>
         </p:blipFill>
-        <p:spPr bwMode="auto">
+        <p:spPr>
           <a:xfrm>
             <a:off x="0" y="0"/>
             <a:ext cx="12192000" cy="6858000"/>
@@ -3808,7 +4140,6 @@
           <a:prstGeom prst="rect">
             <a:avLst/>
           </a:prstGeom>
-          <a:noFill/>
         </p:spPr>
       </p:pic>
     </p:spTree>
@@ -3816,6 +4147,13 @@
   <p:clrMapOvr>
     <a:masterClrMapping/>
   </p:clrMapOvr>
+  <p:timing>
+    <p:tnLst>
+      <p:par>
+        <p:cTn id="1" dur="indefinite" restart="never" nodeType="tmRoot"/>
+      </p:par>
+    </p:tnLst>
+  </p:timing>
 </p:sld>
 </file>
 
@@ -3876,35 +4214,26 @@
       </p:sp>
       <p:pic>
         <p:nvPicPr>
-          <p:cNvPr id="6147" name="Picture 3"/>
+          <p:cNvPr id="4" name="Imagen 3"/>
           <p:cNvPicPr>
-            <a:picLocks noChangeAspect="1" noChangeArrowheads="1"/>
+            <a:picLocks noChangeAspect="1"/>
           </p:cNvPicPr>
           <p:nvPr/>
         </p:nvPicPr>
         <p:blipFill>
-          <a:blip r:embed="rId2" cstate="print"/>
-          <a:srcRect t="5532" b="6250"/>
+          <a:blip r:embed="rId2"/>
           <a:stretch>
             <a:fillRect/>
           </a:stretch>
         </p:blipFill>
-        <p:spPr bwMode="auto">
+        <p:spPr>
           <a:xfrm>
-            <a:off x="0" y="0"/>
-            <a:ext cx="12192000" cy="6741368"/>
+            <a:off x="-1" y="0"/>
+            <a:ext cx="12192001" cy="6858000"/>
           </a:xfrm>
           <a:prstGeom prst="rect">
             <a:avLst/>
           </a:prstGeom>
-          <a:noFill/>
-          <a:ln w="9525">
-            <a:noFill/>
-            <a:miter lim="800000"/>
-            <a:headEnd/>
-            <a:tailEnd/>
-          </a:ln>
-          <a:effectLst/>
         </p:spPr>
       </p:pic>
     </p:spTree>
@@ -3912,6 +4241,13 @@
   <p:clrMapOvr>
     <a:masterClrMapping/>
   </p:clrMapOvr>
+  <p:timing>
+    <p:tnLst>
+      <p:par>
+        <p:cTn id="1" dur="indefinite" restart="never" nodeType="tmRoot"/>
+      </p:par>
+    </p:tnLst>
+  </p:timing>
 </p:sld>
 </file>
 
@@ -4170,7 +4506,7 @@
   <a:extraClrSchemeLst/>
   <a:extLst>
     <a:ext uri="{05A4C25C-085E-4340-85A3-A5531E510DB2}">
-      <thm15:themeFamily xmlns:thm15="http://schemas.microsoft.com/office/thememl/2012/main" xmlns="" name="Office Theme" id="{62F939B6-93AF-4DB8-9C6B-D6C7DFDC589F}" vid="{4A3C46E8-61CC-4603-A589-7422A47A8E4A}"/>
+      <thm15:themeFamily xmlns:thm15="http://schemas.microsoft.com/office/thememl/2012/main" name="Office Theme" id="{62F939B6-93AF-4DB8-9C6B-D6C7DFDC589F}" vid="{4A3C46E8-61CC-4603-A589-7422A47A8E4A}"/>
     </a:ext>
   </a:extLst>
 </a:theme>
